--- a/hex-sticker-slides.pptx
+++ b/hex-sticker-slides.pptx
@@ -13,6 +13,8 @@
     <p:sldId id="261" r:id="rId7"/>
     <p:sldId id="262" r:id="rId8"/>
     <p:sldId id="263" r:id="rId9"/>
+    <p:sldId id="264" r:id="rId10"/>
+    <p:sldId id="265" r:id="rId11"/>
   </p:sldIdLst>
   <p:sldSz cx="9144000" cy="5143500" type="screen16x9"/>
   <p:notesSz cx="6858000" cy="9144000"/>
@@ -3193,6 +3195,106 @@
 </p:sld>
 </file>
 
+<file path=ppt/slides/slide10.xml><?xml version="1.0" encoding="utf-8"?>
+<p:sld xmlns:a="http://schemas.openxmlformats.org/drawingml/2006/main" xmlns:r="http://schemas.openxmlformats.org/officeDocument/2006/relationships" xmlns:p="http://schemas.openxmlformats.org/presentationml/2006/main">
+  <p:cSld>
+    <p:spTree>
+      <p:nvGrpSpPr>
+        <p:cNvPr id="1" name=""/>
+        <p:cNvGrpSpPr/>
+        <p:nvPr/>
+      </p:nvGrpSpPr>
+      <p:grpSpPr>
+        <a:xfrm>
+          <a:off x="0" y="0"/>
+          <a:ext cx="0" cy="0"/>
+          <a:chOff x="0" y="0"/>
+          <a:chExt cx="0" cy="0"/>
+        </a:xfrm>
+      </p:grpSpPr>
+      <p:sp>
+        <p:nvSpPr>
+          <p:cNvPr id="2" name="Title 1"/>
+          <p:cNvSpPr>
+            <a:spLocks noGrp="1"/>
+          </p:cNvSpPr>
+          <p:nvPr>
+            <p:ph type="title"/>
+          </p:nvPr>
+        </p:nvSpPr>
+        <p:spPr/>
+        <p:txBody>
+          <a:bodyPr/>
+          <a:lstStyle/>
+          <a:p>
+            <a:pPr lvl="0" indent="0" marL="0">
+              <a:buNone/>
+            </a:pPr>
+            <a:r>
+              <a:rPr/>
+              <a:t>Workflow</a:t>
+            </a:r>
+          </a:p>
+        </p:txBody>
+      </p:sp>
+      <p:sp>
+        <p:nvSpPr>
+          <p:cNvPr id="3" name="Content Placeholder 2"/>
+          <p:cNvSpPr>
+            <a:spLocks noGrp="1"/>
+          </p:cNvSpPr>
+          <p:nvPr>
+            <p:ph idx="1"/>
+          </p:nvPr>
+        </p:nvSpPr>
+        <p:spPr/>
+        <p:txBody>
+          <a:bodyPr/>
+          <a:lstStyle/>
+          <a:p>
+            <a:pPr lvl="0" indent="-342900" marL="342900">
+              <a:buAutoNum type="arabicPeriod"/>
+            </a:pPr>
+            <a:r>
+              <a:rPr/>
+              <a:t>Code stored on GitHub (</a:t>
+            </a:r>
+            <a:r>
+              <a:rPr>
+                <a:hlinkClick r:id="rId2"/>
+              </a:rPr>
+              <a:t>https://github.com/MarkHanly/hexSticker-RAppSoc</a:t>
+            </a:r>
+            <a:r>
+              <a:rPr/>
+              <a:t>)</a:t>
+            </a:r>
+          </a:p>
+          <a:p>
+            <a:pPr lvl="0" indent="-342900" marL="342900">
+              <a:buAutoNum type="arabicPeriod"/>
+            </a:pPr>
+            <a:r>
+              <a:rPr/>
+              <a:t>Organised as R Project</a:t>
+            </a:r>
+          </a:p>
+          <a:p>
+            <a:pPr lvl="0" indent="-342900" marL="342900">
+              <a:buAutoNum type="arabicPeriod"/>
+            </a:pPr>
+            <a:r>
+              <a:rPr/>
+              <a:t>Literate programming to create this powerpoint</a:t>
+            </a:r>
+          </a:p>
+        </p:txBody>
+      </p:sp>
+    </p:spTree>
+  </p:cSld>
+</p:sld>
+</file>
+
 <file path=ppt/slides/slide2.xml><?xml version="1.0" encoding="utf-8"?>
 <p:sld xmlns:a="http://schemas.openxmlformats.org/drawingml/2006/main" xmlns:r="http://schemas.openxmlformats.org/officeDocument/2006/relationships" xmlns:p="http://schemas.openxmlformats.org/presentationml/2006/main">
   <p:cSld>
@@ -3307,80 +3409,247 @@
             </a:pPr>
             <a:r>
               <a:rPr/>
-              <a:t>The main steps</a:t>
-            </a:r>
-          </a:p>
-        </p:txBody>
-      </p:sp>
-      <p:sp>
-        <p:nvSpPr>
-          <p:cNvPr id="3" name="Content Placeholder 2"/>
-          <p:cNvSpPr>
-            <a:spLocks noGrp="1"/>
-          </p:cNvSpPr>
-          <p:nvPr>
-            <p:ph idx="1"/>
-          </p:nvPr>
-        </p:nvSpPr>
-        <p:spPr/>
-        <p:txBody>
-          <a:bodyPr/>
-          <a:lstStyle/>
-          <a:p>
-            <a:pPr lvl="0" indent="-342900" marL="342900">
-              <a:buAutoNum type="arabicPeriod"/>
-            </a:pPr>
-            <a:r>
-              <a:rPr/>
-              <a:t>Find a nice image</a:t>
-            </a:r>
-          </a:p>
-          <a:p>
-            <a:pPr lvl="0" indent="-342900" marL="342900">
-              <a:buAutoNum type="arabicPeriod"/>
-            </a:pPr>
-            <a:r>
-              <a:rPr/>
-              <a:t>Use the </a:t>
-            </a:r>
-            <a:r>
-              <a:rPr>
-                <a:latin typeface="Courier"/>
-              </a:rPr>
-              <a:t>sticker()</a:t>
-            </a:r>
-            <a:r>
-              <a:rPr/>
-              <a:t> function from the </a:t>
-            </a:r>
-            <a:r>
-              <a:rPr>
-                <a:latin typeface="Courier"/>
-              </a:rPr>
-              <a:t>hexSticker</a:t>
-            </a:r>
-            <a:r>
-              <a:rPr/>
-              <a:t> package</a:t>
-            </a:r>
-          </a:p>
-          <a:p>
-            <a:pPr lvl="0" indent="-342900" marL="342900">
-              <a:buAutoNum type="arabicPeriod"/>
-            </a:pPr>
-            <a:r>
-              <a:rPr/>
-              <a:t>Tweak the colours and fonts</a:t>
-            </a:r>
-          </a:p>
-        </p:txBody>
-      </p:sp>
+              <a:t>HexStickers in the wild</a:t>
+            </a:r>
+          </a:p>
+        </p:txBody>
+      </p:sp>
+      <p:pic>
+        <p:nvPicPr>
+          <p:cNvPr descr="hexstickers-examples.png" id="0" name="Picture 1"/>
+          <p:cNvPicPr>
+            <a:picLocks noGrp="1" noChangeAspect="1"/>
+          </p:cNvPicPr>
+          <p:nvPr/>
+        </p:nvPicPr>
+        <p:blipFill>
+          <a:blip r:embed="rId2"/>
+          <a:stretch>
+            <a:fillRect/>
+          </a:stretch>
+        </p:blipFill>
+        <p:spPr bwMode="auto">
+          <a:xfrm>
+            <a:off x="1866900" y="1193800"/>
+            <a:ext cx="5397500" cy="3390900"/>
+          </a:xfrm>
+          <a:prstGeom prst="rect">
+            <a:avLst/>
+          </a:prstGeom>
+          <a:noFill/>
+          <a:ln w="9525">
+            <a:noFill/>
+            <a:headEnd/>
+            <a:tailEnd/>
+          </a:ln>
+        </p:spPr>
+      </p:pic>
     </p:spTree>
   </p:cSld>
 </p:sld>
 </file>
 
 <file path=ppt/slides/slide4.xml><?xml version="1.0" encoding="utf-8"?>
+<p:sld xmlns:a="http://schemas.openxmlformats.org/drawingml/2006/main" xmlns:r="http://schemas.openxmlformats.org/officeDocument/2006/relationships" xmlns:p="http://schemas.openxmlformats.org/presentationml/2006/main">
+  <p:cSld>
+    <p:spTree>
+      <p:nvGrpSpPr>
+        <p:cNvPr id="1" name=""/>
+        <p:cNvGrpSpPr/>
+        <p:nvPr/>
+      </p:nvGrpSpPr>
+      <p:grpSpPr>
+        <a:xfrm>
+          <a:off x="0" y="0"/>
+          <a:ext cx="0" cy="0"/>
+          <a:chOff x="0" y="0"/>
+          <a:chExt cx="0" cy="0"/>
+        </a:xfrm>
+      </p:grpSpPr>
+      <p:sp>
+        <p:nvSpPr>
+          <p:cNvPr id="2" name="Title 1"/>
+          <p:cNvSpPr>
+            <a:spLocks noGrp="1"/>
+          </p:cNvSpPr>
+          <p:nvPr>
+            <p:ph type="title"/>
+          </p:nvPr>
+        </p:nvSpPr>
+        <p:spPr/>
+        <p:txBody>
+          <a:bodyPr/>
+          <a:lstStyle/>
+          <a:p>
+            <a:pPr lvl="0" indent="0" marL="0">
+              <a:buNone/>
+            </a:pPr>
+            <a:r>
+              <a:rPr/>
+              <a:t>HexStickers in the wild</a:t>
+            </a:r>
+          </a:p>
+        </p:txBody>
+      </p:sp>
+      <p:sp>
+        <p:nvSpPr>
+          <p:cNvPr id="3" name="Content Placeholder 2"/>
+          <p:cNvSpPr>
+            <a:spLocks noGrp="1"/>
+          </p:cNvSpPr>
+          <p:nvPr>
+            <p:ph idx="1"/>
+          </p:nvPr>
+        </p:nvSpPr>
+        <p:spPr/>
+        <p:txBody>
+          <a:bodyPr/>
+          <a:lstStyle/>
+          <a:p>
+            <a:pPr lvl="0" indent="0" marL="0">
+              <a:buNone/>
+            </a:pPr>
+            <a:r>
+              <a:rPr/>
+              <a:t>Check out…</a:t>
+            </a:r>
+          </a:p>
+          <a:p>
+            <a:pPr lvl="0"/>
+            <a:r>
+              <a:rPr>
+                <a:hlinkClick r:id="rId2"/>
+              </a:rPr>
+              <a:t>https://github.com/rstudio/hex-stickers</a:t>
+            </a:r>
+          </a:p>
+          <a:p>
+            <a:pPr lvl="0"/>
+            <a:r>
+              <a:rPr>
+                <a:hlinkClick r:id="rId3"/>
+              </a:rPr>
+              <a:t>http://hexb.in/</a:t>
+            </a:r>
+          </a:p>
+        </p:txBody>
+      </p:sp>
+    </p:spTree>
+  </p:cSld>
+</p:sld>
+</file>
+
+<file path=ppt/slides/slide5.xml><?xml version="1.0" encoding="utf-8"?>
+<p:sld xmlns:a="http://schemas.openxmlformats.org/drawingml/2006/main" xmlns:r="http://schemas.openxmlformats.org/officeDocument/2006/relationships" xmlns:p="http://schemas.openxmlformats.org/presentationml/2006/main">
+  <p:cSld>
+    <p:spTree>
+      <p:nvGrpSpPr>
+        <p:cNvPr id="1" name=""/>
+        <p:cNvGrpSpPr/>
+        <p:nvPr/>
+      </p:nvGrpSpPr>
+      <p:grpSpPr>
+        <a:xfrm>
+          <a:off x="0" y="0"/>
+          <a:ext cx="0" cy="0"/>
+          <a:chOff x="0" y="0"/>
+          <a:chExt cx="0" cy="0"/>
+        </a:xfrm>
+      </p:grpSpPr>
+      <p:sp>
+        <p:nvSpPr>
+          <p:cNvPr id="2" name="Title 1"/>
+          <p:cNvSpPr>
+            <a:spLocks noGrp="1"/>
+          </p:cNvSpPr>
+          <p:nvPr>
+            <p:ph type="title"/>
+          </p:nvPr>
+        </p:nvSpPr>
+        <p:spPr/>
+        <p:txBody>
+          <a:bodyPr/>
+          <a:lstStyle/>
+          <a:p>
+            <a:pPr lvl="0" indent="0" marL="0">
+              <a:buNone/>
+            </a:pPr>
+            <a:r>
+              <a:rPr/>
+              <a:t>The main steps</a:t>
+            </a:r>
+          </a:p>
+        </p:txBody>
+      </p:sp>
+      <p:sp>
+        <p:nvSpPr>
+          <p:cNvPr id="3" name="Content Placeholder 2"/>
+          <p:cNvSpPr>
+            <a:spLocks noGrp="1"/>
+          </p:cNvSpPr>
+          <p:nvPr>
+            <p:ph idx="1"/>
+          </p:nvPr>
+        </p:nvSpPr>
+        <p:spPr/>
+        <p:txBody>
+          <a:bodyPr/>
+          <a:lstStyle/>
+          <a:p>
+            <a:pPr lvl="0" indent="-342900" marL="342900">
+              <a:buAutoNum type="arabicPeriod"/>
+            </a:pPr>
+            <a:r>
+              <a:rPr/>
+              <a:t>Find a nice image</a:t>
+            </a:r>
+          </a:p>
+          <a:p>
+            <a:pPr lvl="0" indent="-342900" marL="342900">
+              <a:buAutoNum type="arabicPeriod"/>
+            </a:pPr>
+            <a:r>
+              <a:rPr/>
+              <a:t>Use the </a:t>
+            </a:r>
+            <a:r>
+              <a:rPr>
+                <a:latin typeface="Courier"/>
+              </a:rPr>
+              <a:t>sticker()</a:t>
+            </a:r>
+            <a:r>
+              <a:rPr/>
+              <a:t> function from the </a:t>
+            </a:r>
+            <a:r>
+              <a:rPr>
+                <a:latin typeface="Courier"/>
+              </a:rPr>
+              <a:t>hexSticker</a:t>
+            </a:r>
+            <a:r>
+              <a:rPr/>
+              <a:t> package</a:t>
+            </a:r>
+          </a:p>
+          <a:p>
+            <a:pPr lvl="0" indent="-342900" marL="342900">
+              <a:buAutoNum type="arabicPeriod"/>
+            </a:pPr>
+            <a:r>
+              <a:rPr/>
+              <a:t>Tweak the colours and fonts</a:t>
+            </a:r>
+          </a:p>
+        </p:txBody>
+      </p:sp>
+    </p:spTree>
+  </p:cSld>
+</p:sld>
+</file>
+
+<file path=ppt/slides/slide6.xml><?xml version="1.0" encoding="utf-8"?>
 <p:sld xmlns:a="http://schemas.openxmlformats.org/drawingml/2006/main" xmlns:r="http://schemas.openxmlformats.org/officeDocument/2006/relationships" xmlns:p="http://schemas.openxmlformats.org/presentationml/2006/main">
   <p:cSld>
     <p:spTree>
@@ -3487,705 +3756,6 @@
 </p:sld>
 </file>
 
-<file path=ppt/slides/slide5.xml><?xml version="1.0" encoding="utf-8"?>
-<p:sld xmlns:a="http://schemas.openxmlformats.org/drawingml/2006/main" xmlns:r="http://schemas.openxmlformats.org/officeDocument/2006/relationships" xmlns:p="http://schemas.openxmlformats.org/presentationml/2006/main">
-  <p:cSld>
-    <p:spTree>
-      <p:nvGrpSpPr>
-        <p:cNvPr id="1" name=""/>
-        <p:cNvGrpSpPr/>
-        <p:nvPr/>
-      </p:nvGrpSpPr>
-      <p:grpSpPr>
-        <a:xfrm>
-          <a:off x="0" y="0"/>
-          <a:ext cx="0" cy="0"/>
-          <a:chOff x="0" y="0"/>
-          <a:chExt cx="0" cy="0"/>
-        </a:xfrm>
-      </p:grpSpPr>
-      <p:sp>
-        <p:nvSpPr>
-          <p:cNvPr id="2" name="Title 1"/>
-          <p:cNvSpPr>
-            <a:spLocks noGrp="1"/>
-          </p:cNvSpPr>
-          <p:nvPr>
-            <p:ph type="title"/>
-          </p:nvPr>
-        </p:nvSpPr>
-        <p:spPr>
-          <a:xfrm>
-            <a:off x="457201" y="204787"/>
-            <a:ext cx="3008313" cy="871538"/>
-          </a:xfrm>
-        </p:spPr>
-        <p:txBody>
-          <a:bodyPr/>
-          <a:lstStyle/>
-          <a:p>
-            <a:pPr lvl="0" indent="0" marL="0">
-              <a:buNone/>
-            </a:pPr>
-            <a:r>
-              <a:rPr/>
-              <a:t>2. Use the </a:t>
-            </a:r>
-            <a:r>
-              <a:rPr>
-                <a:latin typeface="Courier"/>
-              </a:rPr>
-              <a:t>hexSticker::sticker()</a:t>
-            </a:r>
-            <a:r>
-              <a:rPr/>
-              <a:t> function</a:t>
-            </a:r>
-          </a:p>
-        </p:txBody>
-      </p:sp>
-      <p:sp>
-        <p:nvSpPr>
-          <p:cNvPr id="4" name="Text Placeholder 3"/>
-          <p:cNvSpPr>
-            <a:spLocks noGrp="1"/>
-          </p:cNvSpPr>
-          <p:nvPr>
-            <p:ph idx="2" sz="half" type="body"/>
-          </p:nvPr>
-        </p:nvSpPr>
-        <p:spPr/>
-        <p:txBody>
-          <a:bodyPr/>
-          <a:lstStyle/>
-          <a:p>
-            <a:pPr lvl="0" indent="0">
-              <a:buNone/>
-            </a:pPr>
-            <a:r>
-              <a:rPr>
-                <a:solidFill>
-                  <a:srgbClr val="06287E"/>
-                </a:solidFill>
-                <a:latin typeface="Courier"/>
-              </a:rPr>
-              <a:t>library</a:t>
-            </a:r>
-            <a:r>
-              <a:rPr>
-                <a:latin typeface="Courier"/>
-              </a:rPr>
-              <a:t>(hexSticker)</a:t>
-            </a:r>
-            <a:br/>
-            <a:br/>
-            <a:r>
-              <a:rPr>
-                <a:latin typeface="Courier"/>
-              </a:rPr>
-              <a:t>img </a:t>
-            </a:r>
-            <a:r>
-              <a:rPr>
-                <a:solidFill>
-                  <a:srgbClr val="007020"/>
-                </a:solidFill>
-                <a:latin typeface="Courier"/>
-              </a:rPr>
-              <a:t>&lt;-</a:t>
-            </a:r>
-            <a:r>
-              <a:rPr>
-                <a:latin typeface="Courier"/>
-              </a:rPr>
-              <a:t> here</a:t>
-            </a:r>
-            <a:r>
-              <a:rPr>
-                <a:solidFill>
-                  <a:srgbClr val="4070A0"/>
-                </a:solidFill>
-                <a:latin typeface="Courier"/>
-              </a:rPr>
-              <a:t>::</a:t>
-            </a:r>
-            <a:r>
-              <a:rPr>
-                <a:solidFill>
-                  <a:srgbClr val="06287E"/>
-                </a:solidFill>
-                <a:latin typeface="Courier"/>
-              </a:rPr>
-              <a:t>here</a:t>
-            </a:r>
-            <a:r>
-              <a:rPr>
-                <a:latin typeface="Courier"/>
-              </a:rPr>
-              <a:t>(</a:t>
-            </a:r>
-            <a:r>
-              <a:rPr>
-                <a:solidFill>
-                  <a:srgbClr val="4070A0"/>
-                </a:solidFill>
-                <a:latin typeface="Courier"/>
-              </a:rPr>
-              <a:t>"wine-glass.jpeg"</a:t>
-            </a:r>
-            <a:r>
-              <a:rPr>
-                <a:latin typeface="Courier"/>
-              </a:rPr>
-              <a:t>)</a:t>
-            </a:r>
-            <a:br/>
-            <a:br/>
-            <a:r>
-              <a:rPr>
-                <a:latin typeface="Courier"/>
-              </a:rPr>
-              <a:t>p </a:t>
-            </a:r>
-            <a:r>
-              <a:rPr>
-                <a:solidFill>
-                  <a:srgbClr val="007020"/>
-                </a:solidFill>
-                <a:latin typeface="Courier"/>
-              </a:rPr>
-              <a:t>&lt;-</a:t>
-            </a:r>
-            <a:r>
-              <a:rPr>
-                <a:latin typeface="Courier"/>
-              </a:rPr>
-              <a:t> </a:t>
-            </a:r>
-            <a:r>
-              <a:rPr>
-                <a:solidFill>
-                  <a:srgbClr val="06287E"/>
-                </a:solidFill>
-                <a:latin typeface="Courier"/>
-              </a:rPr>
-              <a:t>sticker</a:t>
-            </a:r>
-            <a:r>
-              <a:rPr>
-                <a:latin typeface="Courier"/>
-              </a:rPr>
-              <a:t>(img, </a:t>
-            </a:r>
-            <a:r>
-              <a:rPr>
-                <a:solidFill>
-                  <a:srgbClr val="7D9029"/>
-                </a:solidFill>
-                <a:latin typeface="Courier"/>
-              </a:rPr>
-              <a:t>package =</a:t>
-            </a:r>
-            <a:r>
-              <a:rPr>
-                <a:latin typeface="Courier"/>
-              </a:rPr>
-              <a:t> </a:t>
-            </a:r>
-            <a:r>
-              <a:rPr>
-                <a:solidFill>
-                  <a:srgbClr val="4070A0"/>
-                </a:solidFill>
-                <a:latin typeface="Courier"/>
-              </a:rPr>
-              <a:t>"R Appreciation Society"</a:t>
-            </a:r>
-            <a:r>
-              <a:rPr>
-                <a:latin typeface="Courier"/>
-              </a:rPr>
-              <a:t>)</a:t>
-            </a:r>
-            <a:br/>
-            <a:br/>
-            <a:r>
-              <a:rPr>
-                <a:solidFill>
-                  <a:srgbClr val="06287E"/>
-                </a:solidFill>
-                <a:latin typeface="Courier"/>
-              </a:rPr>
-              <a:t>plot</a:t>
-            </a:r>
-            <a:r>
-              <a:rPr>
-                <a:latin typeface="Courier"/>
-              </a:rPr>
-              <a:t>(p)</a:t>
-            </a:r>
-          </a:p>
-        </p:txBody>
-      </p:sp>
-      <p:pic>
-        <p:nvPicPr>
-          <p:cNvPr descr="hex-sticker-slides_files/figure-pptx/unnamed-chunk-1-1.png" id="0" name="Picture 1"/>
-          <p:cNvPicPr>
-            <a:picLocks noGrp="1" noChangeAspect="1"/>
-          </p:cNvPicPr>
-          <p:nvPr/>
-        </p:nvPicPr>
-        <p:blipFill>
-          <a:blip r:embed="rId2"/>
-          <a:stretch>
-            <a:fillRect/>
-          </a:stretch>
-        </p:blipFill>
-        <p:spPr bwMode="auto">
-          <a:xfrm>
-            <a:off x="3568700" y="355600"/>
-            <a:ext cx="5105400" cy="4089400"/>
-          </a:xfrm>
-          <a:prstGeom prst="rect">
-            <a:avLst/>
-          </a:prstGeom>
-          <a:noFill/>
-          <a:ln w="9525">
-            <a:noFill/>
-            <a:headEnd/>
-            <a:tailEnd/>
-          </a:ln>
-        </p:spPr>
-      </p:pic>
-    </p:spTree>
-  </p:cSld>
-</p:sld>
-</file>
-
-<file path=ppt/slides/slide6.xml><?xml version="1.0" encoding="utf-8"?>
-<p:sld xmlns:a="http://schemas.openxmlformats.org/drawingml/2006/main" xmlns:r="http://schemas.openxmlformats.org/officeDocument/2006/relationships" xmlns:p="http://schemas.openxmlformats.org/presentationml/2006/main">
-  <p:cSld>
-    <p:spTree>
-      <p:nvGrpSpPr>
-        <p:cNvPr id="1" name=""/>
-        <p:cNvGrpSpPr/>
-        <p:nvPr/>
-      </p:nvGrpSpPr>
-      <p:grpSpPr>
-        <a:xfrm>
-          <a:off x="0" y="0"/>
-          <a:ext cx="0" cy="0"/>
-          <a:chOff x="0" y="0"/>
-          <a:chExt cx="0" cy="0"/>
-        </a:xfrm>
-      </p:grpSpPr>
-      <p:sp>
-        <p:nvSpPr>
-          <p:cNvPr id="2" name="Title 1"/>
-          <p:cNvSpPr>
-            <a:spLocks noGrp="1"/>
-          </p:cNvSpPr>
-          <p:nvPr>
-            <p:ph type="title"/>
-          </p:nvPr>
-        </p:nvSpPr>
-        <p:spPr>
-          <a:xfrm>
-            <a:off x="457201" y="204787"/>
-            <a:ext cx="3008313" cy="871538"/>
-          </a:xfrm>
-        </p:spPr>
-        <p:txBody>
-          <a:bodyPr/>
-          <a:lstStyle/>
-          <a:p>
-            <a:pPr lvl="0" indent="0" marL="0">
-              <a:buNone/>
-            </a:pPr>
-            <a:r>
-              <a:rPr/>
-              <a:t>3. Tweak the image position and colour</a:t>
-            </a:r>
-          </a:p>
-        </p:txBody>
-      </p:sp>
-      <p:sp>
-        <p:nvSpPr>
-          <p:cNvPr id="4" name="Text Placeholder 3"/>
-          <p:cNvSpPr>
-            <a:spLocks noGrp="1"/>
-          </p:cNvSpPr>
-          <p:nvPr>
-            <p:ph idx="2" sz="half" type="body"/>
-          </p:nvPr>
-        </p:nvSpPr>
-        <p:spPr/>
-        <p:txBody>
-          <a:bodyPr/>
-          <a:lstStyle/>
-          <a:p>
-            <a:pPr lvl="0" indent="0">
-              <a:buNone/>
-            </a:pPr>
-            <a:r>
-              <a:rPr i="1">
-                <a:solidFill>
-                  <a:srgbClr val="60A0B0"/>
-                </a:solidFill>
-                <a:latin typeface="Courier"/>
-              </a:rPr>
-              <a:t># Create sticker</a:t>
-            </a:r>
-            <a:br/>
-            <a:r>
-              <a:rPr>
-                <a:latin typeface="Courier"/>
-              </a:rPr>
-              <a:t>p </a:t>
-            </a:r>
-            <a:r>
-              <a:rPr>
-                <a:solidFill>
-                  <a:srgbClr val="007020"/>
-                </a:solidFill>
-                <a:latin typeface="Courier"/>
-              </a:rPr>
-              <a:t>&lt;-</a:t>
-            </a:r>
-            <a:r>
-              <a:rPr>
-                <a:latin typeface="Courier"/>
-              </a:rPr>
-              <a:t> </a:t>
-            </a:r>
-            <a:r>
-              <a:rPr>
-                <a:solidFill>
-                  <a:srgbClr val="06287E"/>
-                </a:solidFill>
-                <a:latin typeface="Courier"/>
-              </a:rPr>
-              <a:t>sticker</a:t>
-            </a:r>
-            <a:r>
-              <a:rPr>
-                <a:latin typeface="Courier"/>
-              </a:rPr>
-              <a:t>(img, </a:t>
-            </a:r>
-            <a:br/>
-            <a:r>
-              <a:rPr>
-                <a:latin typeface="Courier"/>
-              </a:rPr>
-              <a:t>             </a:t>
-            </a:r>
-            <a:r>
-              <a:rPr>
-                <a:solidFill>
-                  <a:srgbClr val="7D9029"/>
-                </a:solidFill>
-                <a:latin typeface="Courier"/>
-              </a:rPr>
-              <a:t>package=</a:t>
-            </a:r>
-            <a:r>
-              <a:rPr>
-                <a:solidFill>
-                  <a:srgbClr val="4070A0"/>
-                </a:solidFill>
-                <a:latin typeface="Courier"/>
-              </a:rPr>
-              <a:t>"R Appreciation Society"</a:t>
-            </a:r>
-            <a:r>
-              <a:rPr>
-                <a:latin typeface="Courier"/>
-              </a:rPr>
-              <a:t>, </a:t>
-            </a:r>
-            <a:br/>
-            <a:r>
-              <a:rPr>
-                <a:latin typeface="Courier"/>
-              </a:rPr>
-              <a:t>             </a:t>
-            </a:r>
-            <a:r>
-              <a:rPr>
-                <a:solidFill>
-                  <a:srgbClr val="7D9029"/>
-                </a:solidFill>
-                <a:latin typeface="Courier"/>
-              </a:rPr>
-              <a:t>p_color =</a:t>
-            </a:r>
-            <a:r>
-              <a:rPr>
-                <a:latin typeface="Courier"/>
-              </a:rPr>
-              <a:t> </a:t>
-            </a:r>
-            <a:r>
-              <a:rPr>
-                <a:solidFill>
-                  <a:srgbClr val="4070A0"/>
-                </a:solidFill>
-                <a:latin typeface="Courier"/>
-              </a:rPr>
-              <a:t>'#63100a'</a:t>
-            </a:r>
-            <a:r>
-              <a:rPr>
-                <a:latin typeface="Courier"/>
-              </a:rPr>
-              <a:t>,</a:t>
-            </a:r>
-            <a:br/>
-            <a:r>
-              <a:rPr>
-                <a:latin typeface="Courier"/>
-              </a:rPr>
-              <a:t>             </a:t>
-            </a:r>
-            <a:r>
-              <a:rPr>
-                <a:solidFill>
-                  <a:srgbClr val="7D9029"/>
-                </a:solidFill>
-                <a:latin typeface="Courier"/>
-              </a:rPr>
-              <a:t>p_size=</a:t>
-            </a:r>
-            <a:r>
-              <a:rPr>
-                <a:solidFill>
-                  <a:srgbClr val="40A070"/>
-                </a:solidFill>
-                <a:latin typeface="Courier"/>
-              </a:rPr>
-              <a:t>10</a:t>
-            </a:r>
-            <a:r>
-              <a:rPr>
-                <a:latin typeface="Courier"/>
-              </a:rPr>
-              <a:t>, </a:t>
-            </a:r>
-            <a:r>
-              <a:rPr>
-                <a:solidFill>
-                  <a:srgbClr val="7D9029"/>
-                </a:solidFill>
-                <a:latin typeface="Courier"/>
-              </a:rPr>
-              <a:t>s_x=</a:t>
-            </a:r>
-            <a:r>
-              <a:rPr>
-                <a:solidFill>
-                  <a:srgbClr val="40A070"/>
-                </a:solidFill>
-                <a:latin typeface="Courier"/>
-              </a:rPr>
-              <a:t>1</a:t>
-            </a:r>
-            <a:r>
-              <a:rPr>
-                <a:latin typeface="Courier"/>
-              </a:rPr>
-              <a:t>, </a:t>
-            </a:r>
-            <a:r>
-              <a:rPr>
-                <a:solidFill>
-                  <a:srgbClr val="7D9029"/>
-                </a:solidFill>
-                <a:latin typeface="Courier"/>
-              </a:rPr>
-              <a:t>s_y=</a:t>
-            </a:r>
-            <a:r>
-              <a:rPr>
-                <a:latin typeface="Courier"/>
-              </a:rPr>
-              <a:t>.</a:t>
-            </a:r>
-            <a:r>
-              <a:rPr>
-                <a:solidFill>
-                  <a:srgbClr val="40A070"/>
-                </a:solidFill>
-                <a:latin typeface="Courier"/>
-              </a:rPr>
-              <a:t>75</a:t>
-            </a:r>
-            <a:r>
-              <a:rPr>
-                <a:latin typeface="Courier"/>
-              </a:rPr>
-              <a:t>,</a:t>
-            </a:r>
-            <a:br/>
-            <a:r>
-              <a:rPr>
-                <a:latin typeface="Courier"/>
-              </a:rPr>
-              <a:t>             </a:t>
-            </a:r>
-            <a:r>
-              <a:rPr>
-                <a:solidFill>
-                  <a:srgbClr val="7D9029"/>
-                </a:solidFill>
-                <a:latin typeface="Courier"/>
-              </a:rPr>
-              <a:t>h_fill =</a:t>
-            </a:r>
-            <a:r>
-              <a:rPr>
-                <a:latin typeface="Courier"/>
-              </a:rPr>
-              <a:t> </a:t>
-            </a:r>
-            <a:r>
-              <a:rPr>
-                <a:solidFill>
-                  <a:srgbClr val="4070A0"/>
-                </a:solidFill>
-                <a:latin typeface="Courier"/>
-              </a:rPr>
-              <a:t>'#ded3bf'</a:t>
-            </a:r>
-            <a:r>
-              <a:rPr>
-                <a:latin typeface="Courier"/>
-              </a:rPr>
-              <a:t>,</a:t>
-            </a:r>
-            <a:br/>
-            <a:r>
-              <a:rPr>
-                <a:latin typeface="Courier"/>
-              </a:rPr>
-              <a:t>             </a:t>
-            </a:r>
-            <a:r>
-              <a:rPr>
-                <a:solidFill>
-                  <a:srgbClr val="7D9029"/>
-                </a:solidFill>
-                <a:latin typeface="Courier"/>
-              </a:rPr>
-              <a:t>h_color =</a:t>
-            </a:r>
-            <a:r>
-              <a:rPr>
-                <a:latin typeface="Courier"/>
-              </a:rPr>
-              <a:t> </a:t>
-            </a:r>
-            <a:r>
-              <a:rPr>
-                <a:solidFill>
-                  <a:srgbClr val="4070A0"/>
-                </a:solidFill>
-                <a:latin typeface="Courier"/>
-              </a:rPr>
-              <a:t>'#b68e59'</a:t>
-            </a:r>
-            <a:r>
-              <a:rPr>
-                <a:latin typeface="Courier"/>
-              </a:rPr>
-              <a:t>,</a:t>
-            </a:r>
-            <a:br/>
-            <a:r>
-              <a:rPr>
-                <a:latin typeface="Courier"/>
-              </a:rPr>
-              <a:t>             </a:t>
-            </a:r>
-            <a:r>
-              <a:rPr>
-                <a:solidFill>
-                  <a:srgbClr val="7D9029"/>
-                </a:solidFill>
-                <a:latin typeface="Courier"/>
-              </a:rPr>
-              <a:t>filename=</a:t>
-            </a:r>
-            <a:r>
-              <a:rPr>
-                <a:solidFill>
-                  <a:srgbClr val="4070A0"/>
-                </a:solidFill>
-                <a:latin typeface="Courier"/>
-              </a:rPr>
-              <a:t>"rappsoc-logo.png"</a:t>
-            </a:r>
-            <a:r>
-              <a:rPr>
-                <a:latin typeface="Courier"/>
-              </a:rPr>
-              <a:t>)</a:t>
-            </a:r>
-            <a:br/>
-            <a:br/>
-            <a:r>
-              <a:rPr>
-                <a:solidFill>
-                  <a:srgbClr val="06287E"/>
-                </a:solidFill>
-                <a:latin typeface="Courier"/>
-              </a:rPr>
-              <a:t>plot</a:t>
-            </a:r>
-            <a:r>
-              <a:rPr>
-                <a:latin typeface="Courier"/>
-              </a:rPr>
-              <a:t>(p)</a:t>
-            </a:r>
-          </a:p>
-        </p:txBody>
-      </p:sp>
-      <p:pic>
-        <p:nvPicPr>
-          <p:cNvPr descr="hex-sticker-slides_files/figure-pptx/unnamed-chunk-2-1.png" id="0" name="Picture 1"/>
-          <p:cNvPicPr>
-            <a:picLocks noGrp="1" noChangeAspect="1"/>
-          </p:cNvPicPr>
-          <p:nvPr/>
-        </p:nvPicPr>
-        <p:blipFill>
-          <a:blip r:embed="rId2"/>
-          <a:stretch>
-            <a:fillRect/>
-          </a:stretch>
-        </p:blipFill>
-        <p:spPr bwMode="auto">
-          <a:xfrm>
-            <a:off x="3568700" y="355600"/>
-            <a:ext cx="5105400" cy="4089400"/>
-          </a:xfrm>
-          <a:prstGeom prst="rect">
-            <a:avLst/>
-          </a:prstGeom>
-          <a:noFill/>
-          <a:ln w="9525">
-            <a:noFill/>
-            <a:headEnd/>
-            <a:tailEnd/>
-          </a:ln>
-        </p:spPr>
-      </p:pic>
-    </p:spTree>
-  </p:cSld>
-</p:sld>
-</file>
-
 <file path=ppt/slides/slide7.xml><?xml version="1.0" encoding="utf-8"?>
 <p:sld xmlns:a="http://schemas.openxmlformats.org/drawingml/2006/main" xmlns:r="http://schemas.openxmlformats.org/officeDocument/2006/relationships" xmlns:p="http://schemas.openxmlformats.org/presentationml/2006/main">
   <p:cSld>
@@ -4228,7 +3798,17 @@
             </a:pPr>
             <a:r>
               <a:rPr/>
-              <a:t>4. Tweak the font</a:t>
+              <a:t>2. Use the </a:t>
+            </a:r>
+            <a:r>
+              <a:rPr>
+                <a:latin typeface="Courier"/>
+              </a:rPr>
+              <a:t>hexSticker::sticker()</a:t>
+            </a:r>
+            <a:r>
+              <a:rPr/>
+              <a:t> function</a:t>
             </a:r>
           </a:p>
         </p:txBody>
@@ -4252,107 +3832,42 @@
               <a:buNone/>
             </a:pPr>
             <a:r>
-              <a:rPr i="1">
-                <a:solidFill>
-                  <a:srgbClr val="BA2121"/>
-                </a:solidFill>
-                <a:latin typeface="Courier"/>
-              </a:rPr>
-              <a:t>## Loading Google fonts (http://www.google.com/fonts)</a:t>
-            </a:r>
-            <a:br/>
-            <a:r>
-              <a:rPr>
-                <a:latin typeface="Courier"/>
-              </a:rPr>
-              <a:t>sysfonts</a:t>
-            </a:r>
-            <a:r>
-              <a:rPr>
-                <a:solidFill>
-                  <a:srgbClr val="4070A0"/>
-                </a:solidFill>
-                <a:latin typeface="Courier"/>
-              </a:rPr>
-              <a:t>::</a:t>
-            </a:r>
-            <a:r>
               <a:rPr>
                 <a:solidFill>
                   <a:srgbClr val="06287E"/>
                 </a:solidFill>
                 <a:latin typeface="Courier"/>
               </a:rPr>
-              <a:t>font_add_google</a:t>
-            </a:r>
-            <a:r>
-              <a:rPr>
-                <a:latin typeface="Courier"/>
-              </a:rPr>
-              <a:t>(</a:t>
-            </a:r>
-            <a:r>
-              <a:rPr>
-                <a:solidFill>
-                  <a:srgbClr val="4070A0"/>
-                </a:solidFill>
-                <a:latin typeface="Courier"/>
-              </a:rPr>
-              <a:t>"Tangerine"</a:t>
-            </a:r>
-            <a:r>
-              <a:rPr>
-                <a:latin typeface="Courier"/>
-              </a:rPr>
-              <a:t>, </a:t>
-            </a:r>
-            <a:r>
-              <a:rPr>
-                <a:solidFill>
-                  <a:srgbClr val="7D9029"/>
-                </a:solidFill>
-                <a:latin typeface="Courier"/>
-              </a:rPr>
-              <a:t>regular.wt =</a:t>
-            </a:r>
-            <a:r>
-              <a:rPr>
-                <a:latin typeface="Courier"/>
-              </a:rPr>
-              <a:t> </a:t>
-            </a:r>
-            <a:r>
-              <a:rPr>
-                <a:solidFill>
-                  <a:srgbClr val="40A070"/>
-                </a:solidFill>
-                <a:latin typeface="Courier"/>
-              </a:rPr>
-              <a:t>700</a:t>
-            </a:r>
-            <a:r>
-              <a:rPr>
-                <a:latin typeface="Courier"/>
-              </a:rPr>
-              <a:t>)</a:t>
+              <a:t>library</a:t>
+            </a:r>
+            <a:r>
+              <a:rPr>
+                <a:latin typeface="Courier"/>
+              </a:rPr>
+              <a:t>(hexSticker)</a:t>
             </a:r>
             <a:br/>
             <a:br/>
             <a:r>
-              <a:rPr i="1">
-                <a:solidFill>
-                  <a:srgbClr val="BA2121"/>
-                </a:solidFill>
-                <a:latin typeface="Courier"/>
-              </a:rPr>
-              <a:t>## Automatically use showtext to render text for future devices</a:t>
-            </a:r>
-            <a:br/>
-            <a:r>
-              <a:rPr>
-                <a:latin typeface="Courier"/>
-              </a:rPr>
-              <a:t>showtext</a:t>
+              <a:rPr>
+                <a:latin typeface="Courier"/>
+              </a:rPr>
+              <a:t>img </a:t>
+            </a:r>
+            <a:r>
+              <a:rPr>
+                <a:solidFill>
+                  <a:srgbClr val="007020"/>
+                </a:solidFill>
+                <a:latin typeface="Courier"/>
+              </a:rPr>
+              <a:t>&lt;-</a:t>
+            </a:r>
+            <a:r>
+              <a:rPr>
+                <a:latin typeface="Courier"/>
+              </a:rPr>
+              <a:t> here</a:t>
             </a:r>
             <a:r>
               <a:rPr>
@@ -4370,27 +3885,32 @@
                 </a:solidFill>
                 <a:latin typeface="Courier"/>
               </a:rPr>
-              <a:t>showtext_auto</a:t>
-            </a:r>
-            <a:r>
-              <a:rPr>
-                <a:latin typeface="Courier"/>
-              </a:rPr>
-              <a:t>()</a:t>
+              <a:t>here</a:t>
+            </a:r>
+            <a:r>
+              <a:rPr>
+                <a:latin typeface="Courier"/>
+              </a:rPr>
+              <a:t>(</a:t>
+            </a:r>
+            <a:r>
+              <a:rPr>
+                <a:solidFill>
+                  <a:srgbClr val="4070A0"/>
+                </a:solidFill>
+                <a:latin typeface="Courier"/>
+              </a:rPr>
+              <a:t>"wine-glass.jpeg"</a:t>
+            </a:r>
+            <a:r>
+              <a:rPr>
+                <a:latin typeface="Courier"/>
+              </a:rPr>
+              <a:t>)</a:t>
             </a:r>
             <a:br/>
             <a:br/>
             <a:r>
-              <a:rPr i="1">
-                <a:solidFill>
-                  <a:srgbClr val="60A0B0"/>
-                </a:solidFill>
-                <a:latin typeface="Courier"/>
-              </a:rPr>
-              <a:t># Create sticker</a:t>
-            </a:r>
-            <a:br/>
-            <a:r>
               <a:rPr>
                 <a:latin typeface="Courier"/>
               </a:rPr>
@@ -4433,7 +3953,13 @@
                 </a:solidFill>
                 <a:latin typeface="Courier"/>
               </a:rPr>
-              <a:t>package=</a:t>
+              <a:t>package =</a:t>
+            </a:r>
+            <a:r>
+              <a:rPr>
+                <a:latin typeface="Courier"/>
+              </a:rPr>
+              <a:t> </a:t>
             </a:r>
             <a:r>
               <a:rPr>
@@ -4443,256 +3969,6 @@
                 <a:latin typeface="Courier"/>
               </a:rPr>
               <a:t>"R Appreciation Society"</a:t>
-            </a:r>
-            <a:r>
-              <a:rPr>
-                <a:latin typeface="Courier"/>
-              </a:rPr>
-              <a:t>, </a:t>
-            </a:r>
-            <a:r>
-              <a:rPr>
-                <a:solidFill>
-                  <a:srgbClr val="7D9029"/>
-                </a:solidFill>
-                <a:latin typeface="Courier"/>
-              </a:rPr>
-              <a:t>p_color =</a:t>
-            </a:r>
-            <a:r>
-              <a:rPr>
-                <a:latin typeface="Courier"/>
-              </a:rPr>
-              <a:t> </a:t>
-            </a:r>
-            <a:r>
-              <a:rPr>
-                <a:solidFill>
-                  <a:srgbClr val="4070A0"/>
-                </a:solidFill>
-                <a:latin typeface="Courier"/>
-              </a:rPr>
-              <a:t>'#63100a'</a:t>
-            </a:r>
-            <a:r>
-              <a:rPr>
-                <a:latin typeface="Courier"/>
-              </a:rPr>
-              <a:t>, </a:t>
-            </a:r>
-            <a:r>
-              <a:rPr>
-                <a:solidFill>
-                  <a:srgbClr val="7D9029"/>
-                </a:solidFill>
-                <a:latin typeface="Courier"/>
-              </a:rPr>
-              <a:t>p_family =</a:t>
-            </a:r>
-            <a:r>
-              <a:rPr>
-                <a:latin typeface="Courier"/>
-              </a:rPr>
-              <a:t> </a:t>
-            </a:r>
-            <a:r>
-              <a:rPr>
-                <a:solidFill>
-                  <a:srgbClr val="4070A0"/>
-                </a:solidFill>
-                <a:latin typeface="Courier"/>
-              </a:rPr>
-              <a:t>"Tangerine"</a:t>
-            </a:r>
-            <a:r>
-              <a:rPr>
-                <a:latin typeface="Courier"/>
-              </a:rPr>
-              <a:t>,</a:t>
-            </a:r>
-            <a:br/>
-            <a:r>
-              <a:rPr>
-                <a:latin typeface="Courier"/>
-              </a:rPr>
-              <a:t>        </a:t>
-            </a:r>
-            <a:r>
-              <a:rPr>
-                <a:solidFill>
-                  <a:srgbClr val="7D9029"/>
-                </a:solidFill>
-                <a:latin typeface="Courier"/>
-              </a:rPr>
-              <a:t>p_size=</a:t>
-            </a:r>
-            <a:r>
-              <a:rPr>
-                <a:solidFill>
-                  <a:srgbClr val="40A070"/>
-                </a:solidFill>
-                <a:latin typeface="Courier"/>
-              </a:rPr>
-              <a:t>16</a:t>
-            </a:r>
-            <a:r>
-              <a:rPr>
-                <a:latin typeface="Courier"/>
-              </a:rPr>
-              <a:t>, </a:t>
-            </a:r>
-            <a:r>
-              <a:rPr>
-                <a:solidFill>
-                  <a:srgbClr val="7D9029"/>
-                </a:solidFill>
-                <a:latin typeface="Courier"/>
-              </a:rPr>
-              <a:t>s_x=</a:t>
-            </a:r>
-            <a:r>
-              <a:rPr>
-                <a:solidFill>
-                  <a:srgbClr val="40A070"/>
-                </a:solidFill>
-                <a:latin typeface="Courier"/>
-              </a:rPr>
-              <a:t>1</a:t>
-            </a:r>
-            <a:r>
-              <a:rPr>
-                <a:latin typeface="Courier"/>
-              </a:rPr>
-              <a:t>, </a:t>
-            </a:r>
-            <a:r>
-              <a:rPr>
-                <a:solidFill>
-                  <a:srgbClr val="7D9029"/>
-                </a:solidFill>
-                <a:latin typeface="Courier"/>
-              </a:rPr>
-              <a:t>s_y=</a:t>
-            </a:r>
-            <a:r>
-              <a:rPr>
-                <a:latin typeface="Courier"/>
-              </a:rPr>
-              <a:t>.</a:t>
-            </a:r>
-            <a:r>
-              <a:rPr>
-                <a:solidFill>
-                  <a:srgbClr val="40A070"/>
-                </a:solidFill>
-                <a:latin typeface="Courier"/>
-              </a:rPr>
-              <a:t>75</a:t>
-            </a:r>
-            <a:r>
-              <a:rPr>
-                <a:latin typeface="Courier"/>
-              </a:rPr>
-              <a:t>,</a:t>
-            </a:r>
-            <a:br/>
-            <a:r>
-              <a:rPr>
-                <a:latin typeface="Courier"/>
-              </a:rPr>
-              <a:t>        </a:t>
-            </a:r>
-            <a:r>
-              <a:rPr>
-                <a:solidFill>
-                  <a:srgbClr val="7D9029"/>
-                </a:solidFill>
-                <a:latin typeface="Courier"/>
-              </a:rPr>
-              <a:t>h_fill =</a:t>
-            </a:r>
-            <a:r>
-              <a:rPr>
-                <a:latin typeface="Courier"/>
-              </a:rPr>
-              <a:t> </a:t>
-            </a:r>
-            <a:r>
-              <a:rPr>
-                <a:solidFill>
-                  <a:srgbClr val="4070A0"/>
-                </a:solidFill>
-                <a:latin typeface="Courier"/>
-              </a:rPr>
-              <a:t>'#ded3bf'</a:t>
-            </a:r>
-            <a:r>
-              <a:rPr>
-                <a:latin typeface="Courier"/>
-              </a:rPr>
-              <a:t>,</a:t>
-            </a:r>
-            <a:br/>
-            <a:r>
-              <a:rPr>
-                <a:latin typeface="Courier"/>
-              </a:rPr>
-              <a:t>        </a:t>
-            </a:r>
-            <a:r>
-              <a:rPr>
-                <a:solidFill>
-                  <a:srgbClr val="7D9029"/>
-                </a:solidFill>
-                <a:latin typeface="Courier"/>
-              </a:rPr>
-              <a:t>h_color =</a:t>
-            </a:r>
-            <a:r>
-              <a:rPr>
-                <a:latin typeface="Courier"/>
-              </a:rPr>
-              <a:t> </a:t>
-            </a:r>
-            <a:r>
-              <a:rPr>
-                <a:solidFill>
-                  <a:srgbClr val="4070A0"/>
-                </a:solidFill>
-                <a:latin typeface="Courier"/>
-              </a:rPr>
-              <a:t>'#b68e59'</a:t>
-            </a:r>
-            <a:r>
-              <a:rPr>
-                <a:latin typeface="Courier"/>
-              </a:rPr>
-              <a:t>,</a:t>
-            </a:r>
-            <a:br/>
-            <a:r>
-              <a:rPr>
-                <a:latin typeface="Courier"/>
-              </a:rPr>
-              <a:t>        </a:t>
-            </a:r>
-            <a:r>
-              <a:rPr>
-                <a:solidFill>
-                  <a:srgbClr val="7D9029"/>
-                </a:solidFill>
-                <a:latin typeface="Courier"/>
-              </a:rPr>
-              <a:t>filename=</a:t>
-            </a:r>
-            <a:r>
-              <a:rPr>
-                <a:solidFill>
-                  <a:srgbClr val="4070A0"/>
-                </a:solidFill>
-                <a:latin typeface="Courier"/>
-              </a:rPr>
-              <a:t>"rappsoc-logo.png"</a:t>
             </a:r>
             <a:r>
               <a:rPr>
@@ -4722,7 +3998,7 @@
       </p:sp>
       <p:pic>
         <p:nvPicPr>
-          <p:cNvPr descr="hex-sticker-slides_files/figure-pptx/unnamed-chunk-3-1.png" id="0" name="Picture 1"/>
+          <p:cNvPr descr="hex-sticker-slides_files/figure-pptx/unnamed-chunk-1-1.png" id="0" name="Picture 1"/>
           <p:cNvPicPr>
             <a:picLocks noGrp="1" noChangeAspect="1"/>
           </p:cNvPicPr>
@@ -4782,102 +4058,483 @@
             <p:ph type="title"/>
           </p:nvPr>
         </p:nvSpPr>
+        <p:spPr>
+          <a:xfrm>
+            <a:off x="457201" y="204787"/>
+            <a:ext cx="3008313" cy="871538"/>
+          </a:xfrm>
+        </p:spPr>
+        <p:txBody>
+          <a:bodyPr/>
+          <a:lstStyle/>
+          <a:p>
+            <a:pPr lvl="0" indent="0" marL="0">
+              <a:buNone/>
+            </a:pPr>
+            <a:r>
+              <a:rPr/>
+              <a:t>3. Tweak the image position and colour</a:t>
+            </a:r>
+          </a:p>
+        </p:txBody>
+      </p:sp>
+      <p:sp>
+        <p:nvSpPr>
+          <p:cNvPr id="4" name="Text Placeholder 3"/>
+          <p:cNvSpPr>
+            <a:spLocks noGrp="1"/>
+          </p:cNvSpPr>
+          <p:nvPr>
+            <p:ph idx="2" sz="half" type="body"/>
+          </p:nvPr>
+        </p:nvSpPr>
         <p:spPr/>
         <p:txBody>
           <a:bodyPr/>
           <a:lstStyle/>
           <a:p>
-            <a:pPr lvl="0" indent="0" marL="0">
+            <a:pPr lvl="0" indent="0">
               <a:buNone/>
             </a:pPr>
             <a:r>
-              <a:rPr/>
-              <a:t>The code</a:t>
-            </a:r>
-          </a:p>
-        </p:txBody>
-      </p:sp>
-      <p:sp>
-        <p:nvSpPr>
-          <p:cNvPr id="3" name="Content Placeholder 2"/>
-          <p:cNvSpPr>
-            <a:spLocks noGrp="1"/>
-          </p:cNvSpPr>
-          <p:nvPr>
-            <p:ph idx="1"/>
-          </p:nvPr>
-        </p:nvSpPr>
-        <p:spPr/>
-        <p:txBody>
-          <a:bodyPr/>
-          <a:lstStyle/>
-          <a:p>
-            <a:pPr lvl="0" indent="0">
-              <a:buNone/>
-            </a:pPr>
-            <a:r>
               <a:rPr i="1">
                 <a:solidFill>
                   <a:srgbClr val="60A0B0"/>
                 </a:solidFill>
                 <a:latin typeface="Courier"/>
               </a:rPr>
-              <a:t># Load libraries</a:t>
+              <a:t># Create sticker</a:t>
             </a:r>
             <a:br/>
             <a:r>
               <a:rPr>
+                <a:latin typeface="Courier"/>
+              </a:rPr>
+              <a:t>p </a:t>
+            </a:r>
+            <a:r>
+              <a:rPr>
+                <a:solidFill>
+                  <a:srgbClr val="007020"/>
+                </a:solidFill>
+                <a:latin typeface="Courier"/>
+              </a:rPr>
+              <a:t>&lt;-</a:t>
+            </a:r>
+            <a:r>
+              <a:rPr>
+                <a:latin typeface="Courier"/>
+              </a:rPr>
+              <a:t> </a:t>
+            </a:r>
+            <a:r>
+              <a:rPr>
                 <a:solidFill>
                   <a:srgbClr val="06287E"/>
                 </a:solidFill>
                 <a:latin typeface="Courier"/>
               </a:rPr>
-              <a:t>library</a:t>
-            </a:r>
-            <a:r>
-              <a:rPr>
-                <a:latin typeface="Courier"/>
-              </a:rPr>
-              <a:t>(hexSticker)</a:t>
+              <a:t>sticker</a:t>
+            </a:r>
+            <a:r>
+              <a:rPr>
+                <a:latin typeface="Courier"/>
+              </a:rPr>
+              <a:t>(img, </a:t>
             </a:r>
             <a:br/>
             <a:r>
               <a:rPr>
-                <a:solidFill>
-                  <a:srgbClr val="06287E"/>
-                </a:solidFill>
-                <a:latin typeface="Courier"/>
-              </a:rPr>
-              <a:t>library</a:t>
-            </a:r>
-            <a:r>
-              <a:rPr>
-                <a:latin typeface="Courier"/>
-              </a:rPr>
-              <a:t>(showtext)</a:t>
+                <a:latin typeface="Courier"/>
+              </a:rPr>
+              <a:t>             </a:t>
+            </a:r>
+            <a:r>
+              <a:rPr>
+                <a:solidFill>
+                  <a:srgbClr val="7D9029"/>
+                </a:solidFill>
+                <a:latin typeface="Courier"/>
+              </a:rPr>
+              <a:t>package=</a:t>
+            </a:r>
+            <a:r>
+              <a:rPr>
+                <a:solidFill>
+                  <a:srgbClr val="4070A0"/>
+                </a:solidFill>
+                <a:latin typeface="Courier"/>
+              </a:rPr>
+              <a:t>"R Appreciation Society"</a:t>
+            </a:r>
+            <a:r>
+              <a:rPr>
+                <a:latin typeface="Courier"/>
+              </a:rPr>
+              <a:t>, </a:t>
+            </a:r>
+            <a:br/>
+            <a:r>
+              <a:rPr>
+                <a:latin typeface="Courier"/>
+              </a:rPr>
+              <a:t>             </a:t>
+            </a:r>
+            <a:r>
+              <a:rPr>
+                <a:solidFill>
+                  <a:srgbClr val="7D9029"/>
+                </a:solidFill>
+                <a:latin typeface="Courier"/>
+              </a:rPr>
+              <a:t>p_color =</a:t>
+            </a:r>
+            <a:r>
+              <a:rPr>
+                <a:latin typeface="Courier"/>
+              </a:rPr>
+              <a:t> </a:t>
+            </a:r>
+            <a:r>
+              <a:rPr>
+                <a:solidFill>
+                  <a:srgbClr val="4070A0"/>
+                </a:solidFill>
+                <a:latin typeface="Courier"/>
+              </a:rPr>
+              <a:t>'#63100a'</a:t>
+            </a:r>
+            <a:r>
+              <a:rPr>
+                <a:latin typeface="Courier"/>
+              </a:rPr>
+              <a:t>,</a:t>
+            </a:r>
+            <a:br/>
+            <a:r>
+              <a:rPr>
+                <a:latin typeface="Courier"/>
+              </a:rPr>
+              <a:t>             </a:t>
+            </a:r>
+            <a:r>
+              <a:rPr>
+                <a:solidFill>
+                  <a:srgbClr val="7D9029"/>
+                </a:solidFill>
+                <a:latin typeface="Courier"/>
+              </a:rPr>
+              <a:t>p_size=</a:t>
+            </a:r>
+            <a:r>
+              <a:rPr>
+                <a:solidFill>
+                  <a:srgbClr val="40A070"/>
+                </a:solidFill>
+                <a:latin typeface="Courier"/>
+              </a:rPr>
+              <a:t>10</a:t>
+            </a:r>
+            <a:r>
+              <a:rPr>
+                <a:latin typeface="Courier"/>
+              </a:rPr>
+              <a:t>, </a:t>
+            </a:r>
+            <a:r>
+              <a:rPr>
+                <a:solidFill>
+                  <a:srgbClr val="7D9029"/>
+                </a:solidFill>
+                <a:latin typeface="Courier"/>
+              </a:rPr>
+              <a:t>s_x=</a:t>
+            </a:r>
+            <a:r>
+              <a:rPr>
+                <a:solidFill>
+                  <a:srgbClr val="40A070"/>
+                </a:solidFill>
+                <a:latin typeface="Courier"/>
+              </a:rPr>
+              <a:t>1</a:t>
+            </a:r>
+            <a:r>
+              <a:rPr>
+                <a:latin typeface="Courier"/>
+              </a:rPr>
+              <a:t>, </a:t>
+            </a:r>
+            <a:r>
+              <a:rPr>
+                <a:solidFill>
+                  <a:srgbClr val="7D9029"/>
+                </a:solidFill>
+                <a:latin typeface="Courier"/>
+              </a:rPr>
+              <a:t>s_y=</a:t>
+            </a:r>
+            <a:r>
+              <a:rPr>
+                <a:latin typeface="Courier"/>
+              </a:rPr>
+              <a:t>.</a:t>
+            </a:r>
+            <a:r>
+              <a:rPr>
+                <a:solidFill>
+                  <a:srgbClr val="40A070"/>
+                </a:solidFill>
+                <a:latin typeface="Courier"/>
+              </a:rPr>
+              <a:t>75</a:t>
+            </a:r>
+            <a:r>
+              <a:rPr>
+                <a:latin typeface="Courier"/>
+              </a:rPr>
+              <a:t>,</a:t>
+            </a:r>
+            <a:br/>
+            <a:r>
+              <a:rPr>
+                <a:latin typeface="Courier"/>
+              </a:rPr>
+              <a:t>             </a:t>
+            </a:r>
+            <a:r>
+              <a:rPr>
+                <a:solidFill>
+                  <a:srgbClr val="7D9029"/>
+                </a:solidFill>
+                <a:latin typeface="Courier"/>
+              </a:rPr>
+              <a:t>h_fill =</a:t>
+            </a:r>
+            <a:r>
+              <a:rPr>
+                <a:latin typeface="Courier"/>
+              </a:rPr>
+              <a:t> </a:t>
+            </a:r>
+            <a:r>
+              <a:rPr>
+                <a:solidFill>
+                  <a:srgbClr val="4070A0"/>
+                </a:solidFill>
+                <a:latin typeface="Courier"/>
+              </a:rPr>
+              <a:t>'#ded3bf'</a:t>
+            </a:r>
+            <a:r>
+              <a:rPr>
+                <a:latin typeface="Courier"/>
+              </a:rPr>
+              <a:t>,</a:t>
+            </a:r>
+            <a:br/>
+            <a:r>
+              <a:rPr>
+                <a:latin typeface="Courier"/>
+              </a:rPr>
+              <a:t>             </a:t>
+            </a:r>
+            <a:r>
+              <a:rPr>
+                <a:solidFill>
+                  <a:srgbClr val="7D9029"/>
+                </a:solidFill>
+                <a:latin typeface="Courier"/>
+              </a:rPr>
+              <a:t>h_color =</a:t>
+            </a:r>
+            <a:r>
+              <a:rPr>
+                <a:latin typeface="Courier"/>
+              </a:rPr>
+              <a:t> </a:t>
+            </a:r>
+            <a:r>
+              <a:rPr>
+                <a:solidFill>
+                  <a:srgbClr val="4070A0"/>
+                </a:solidFill>
+                <a:latin typeface="Courier"/>
+              </a:rPr>
+              <a:t>'#b68e59'</a:t>
+            </a:r>
+            <a:r>
+              <a:rPr>
+                <a:latin typeface="Courier"/>
+              </a:rPr>
+              <a:t>,</a:t>
+            </a:r>
+            <a:br/>
+            <a:r>
+              <a:rPr>
+                <a:latin typeface="Courier"/>
+              </a:rPr>
+              <a:t>             </a:t>
+            </a:r>
+            <a:r>
+              <a:rPr>
+                <a:solidFill>
+                  <a:srgbClr val="7D9029"/>
+                </a:solidFill>
+                <a:latin typeface="Courier"/>
+              </a:rPr>
+              <a:t>filename=</a:t>
+            </a:r>
+            <a:r>
+              <a:rPr>
+                <a:solidFill>
+                  <a:srgbClr val="4070A0"/>
+                </a:solidFill>
+                <a:latin typeface="Courier"/>
+              </a:rPr>
+              <a:t>"rappsoc-logo.png"</a:t>
+            </a:r>
+            <a:r>
+              <a:rPr>
+                <a:latin typeface="Courier"/>
+              </a:rPr>
+              <a:t>)</a:t>
             </a:r>
             <a:br/>
             <a:br/>
             <a:r>
               <a:rPr>
-                <a:latin typeface="Courier"/>
-              </a:rPr>
-              <a:t>img </a:t>
-            </a:r>
-            <a:r>
-              <a:rPr>
-                <a:solidFill>
-                  <a:srgbClr val="007020"/>
-                </a:solidFill>
-                <a:latin typeface="Courier"/>
-              </a:rPr>
-              <a:t>&lt;-</a:t>
-            </a:r>
-            <a:r>
-              <a:rPr>
-                <a:latin typeface="Courier"/>
-              </a:rPr>
-              <a:t> here</a:t>
+                <a:solidFill>
+                  <a:srgbClr val="06287E"/>
+                </a:solidFill>
+                <a:latin typeface="Courier"/>
+              </a:rPr>
+              <a:t>plot</a:t>
+            </a:r>
+            <a:r>
+              <a:rPr>
+                <a:latin typeface="Courier"/>
+              </a:rPr>
+              <a:t>(p)</a:t>
+            </a:r>
+          </a:p>
+        </p:txBody>
+      </p:sp>
+      <p:pic>
+        <p:nvPicPr>
+          <p:cNvPr descr="hex-sticker-slides_files/figure-pptx/unnamed-chunk-2-1.png" id="0" name="Picture 1"/>
+          <p:cNvPicPr>
+            <a:picLocks noGrp="1" noChangeAspect="1"/>
+          </p:cNvPicPr>
+          <p:nvPr/>
+        </p:nvPicPr>
+        <p:blipFill>
+          <a:blip r:embed="rId2"/>
+          <a:stretch>
+            <a:fillRect/>
+          </a:stretch>
+        </p:blipFill>
+        <p:spPr bwMode="auto">
+          <a:xfrm>
+            <a:off x="3568700" y="355600"/>
+            <a:ext cx="5105400" cy="4089400"/>
+          </a:xfrm>
+          <a:prstGeom prst="rect">
+            <a:avLst/>
+          </a:prstGeom>
+          <a:noFill/>
+          <a:ln w="9525">
+            <a:noFill/>
+            <a:headEnd/>
+            <a:tailEnd/>
+          </a:ln>
+        </p:spPr>
+      </p:pic>
+    </p:spTree>
+  </p:cSld>
+</p:sld>
+</file>
+
+<file path=ppt/slides/slide9.xml><?xml version="1.0" encoding="utf-8"?>
+<p:sld xmlns:a="http://schemas.openxmlformats.org/drawingml/2006/main" xmlns:r="http://schemas.openxmlformats.org/officeDocument/2006/relationships" xmlns:p="http://schemas.openxmlformats.org/presentationml/2006/main">
+  <p:cSld>
+    <p:spTree>
+      <p:nvGrpSpPr>
+        <p:cNvPr id="1" name=""/>
+        <p:cNvGrpSpPr/>
+        <p:nvPr/>
+      </p:nvGrpSpPr>
+      <p:grpSpPr>
+        <a:xfrm>
+          <a:off x="0" y="0"/>
+          <a:ext cx="0" cy="0"/>
+          <a:chOff x="0" y="0"/>
+          <a:chExt cx="0" cy="0"/>
+        </a:xfrm>
+      </p:grpSpPr>
+      <p:sp>
+        <p:nvSpPr>
+          <p:cNvPr id="2" name="Title 1"/>
+          <p:cNvSpPr>
+            <a:spLocks noGrp="1"/>
+          </p:cNvSpPr>
+          <p:nvPr>
+            <p:ph type="title"/>
+          </p:nvPr>
+        </p:nvSpPr>
+        <p:spPr>
+          <a:xfrm>
+            <a:off x="457201" y="204787"/>
+            <a:ext cx="3008313" cy="871538"/>
+          </a:xfrm>
+        </p:spPr>
+        <p:txBody>
+          <a:bodyPr/>
+          <a:lstStyle/>
+          <a:p>
+            <a:pPr lvl="0" indent="0" marL="0">
+              <a:buNone/>
+            </a:pPr>
+            <a:r>
+              <a:rPr/>
+              <a:t>4. Tweak the font</a:t>
+            </a:r>
+          </a:p>
+        </p:txBody>
+      </p:sp>
+      <p:sp>
+        <p:nvSpPr>
+          <p:cNvPr id="4" name="Text Placeholder 3"/>
+          <p:cNvSpPr>
+            <a:spLocks noGrp="1"/>
+          </p:cNvSpPr>
+          <p:nvPr>
+            <p:ph idx="2" sz="half" type="body"/>
+          </p:nvPr>
+        </p:nvSpPr>
+        <p:spPr/>
+        <p:txBody>
+          <a:bodyPr/>
+          <a:lstStyle/>
+          <a:p>
+            <a:pPr lvl="0" indent="0">
+              <a:buNone/>
+            </a:pPr>
+            <a:r>
+              <a:rPr i="1">
+                <a:solidFill>
+                  <a:srgbClr val="BA2121"/>
+                </a:solidFill>
+                <a:latin typeface="Courier"/>
+              </a:rPr>
+              <a:t>## Loading Google fonts (http://www.google.com/fonts)</a:t>
+            </a:r>
+            <a:br/>
+            <a:r>
+              <a:rPr>
+                <a:latin typeface="Courier"/>
+              </a:rPr>
+              <a:t>sysfonts</a:t>
             </a:r>
             <a:r>
               <a:rPr>
@@ -4895,7 +4552,7 @@
                 </a:solidFill>
                 <a:latin typeface="Courier"/>
               </a:rPr>
-              <a:t>here</a:t>
+              <a:t>font_add_google</a:t>
             </a:r>
             <a:r>
               <a:rPr>
@@ -4910,7 +4567,37 @@
                 </a:solidFill>
                 <a:latin typeface="Courier"/>
               </a:rPr>
-              <a:t>"wine-glass.jpeg"</a:t>
+              <a:t>"Tangerine"</a:t>
+            </a:r>
+            <a:r>
+              <a:rPr>
+                <a:latin typeface="Courier"/>
+              </a:rPr>
+              <a:t>, </a:t>
+            </a:r>
+            <a:r>
+              <a:rPr>
+                <a:solidFill>
+                  <a:srgbClr val="7D9029"/>
+                </a:solidFill>
+                <a:latin typeface="Courier"/>
+              </a:rPr>
+              <a:t>regular.wt =</a:t>
+            </a:r>
+            <a:r>
+              <a:rPr>
+                <a:latin typeface="Courier"/>
+              </a:rPr>
+              <a:t> </a:t>
+            </a:r>
+            <a:r>
+              <a:rPr>
+                <a:solidFill>
+                  <a:srgbClr val="40A070"/>
+                </a:solidFill>
+                <a:latin typeface="Courier"/>
+              </a:rPr>
+              <a:t>700</a:t>
             </a:r>
             <a:r>
               <a:rPr>
@@ -4927,14 +4614,14 @@
                 </a:solidFill>
                 <a:latin typeface="Courier"/>
               </a:rPr>
-              <a:t>## Loading Google fonts (http://www.google.com/fonts)</a:t>
+              <a:t>## Automatically use showtext to render text for future devices</a:t>
             </a:r>
             <a:br/>
             <a:r>
               <a:rPr>
                 <a:latin typeface="Courier"/>
               </a:rPr>
-              <a:t>sysfonts</a:t>
+              <a:t>showtext</a:t>
             </a:r>
             <a:r>
               <a:rPr>
@@ -4952,390 +4639,386 @@
                 </a:solidFill>
                 <a:latin typeface="Courier"/>
               </a:rPr>
-              <a:t>font_add_google</a:t>
-            </a:r>
-            <a:r>
-              <a:rPr>
-                <a:latin typeface="Courier"/>
-              </a:rPr>
-              <a:t>(</a:t>
-            </a:r>
-            <a:r>
-              <a:rPr>
-                <a:solidFill>
-                  <a:srgbClr val="4070A0"/>
-                </a:solidFill>
-                <a:latin typeface="Courier"/>
-              </a:rPr>
-              <a:t>"Tangerine"</a:t>
-            </a:r>
-            <a:r>
-              <a:rPr>
-                <a:latin typeface="Courier"/>
-              </a:rPr>
-              <a:t>, </a:t>
-            </a:r>
-            <a:r>
-              <a:rPr>
-                <a:solidFill>
-                  <a:srgbClr val="7D9029"/>
-                </a:solidFill>
-                <a:latin typeface="Courier"/>
-              </a:rPr>
-              <a:t>regular.wt =</a:t>
-            </a:r>
-            <a:r>
-              <a:rPr>
-                <a:latin typeface="Courier"/>
-              </a:rPr>
-              <a:t> </a:t>
-            </a:r>
-            <a:r>
-              <a:rPr>
-                <a:solidFill>
-                  <a:srgbClr val="40A070"/>
-                </a:solidFill>
-                <a:latin typeface="Courier"/>
-              </a:rPr>
-              <a:t>700</a:t>
-            </a:r>
-            <a:r>
-              <a:rPr>
-                <a:latin typeface="Courier"/>
-              </a:rPr>
-              <a:t>)</a:t>
+              <a:t>showtext_auto</a:t>
+            </a:r>
+            <a:r>
+              <a:rPr>
+                <a:latin typeface="Courier"/>
+              </a:rPr>
+              <a:t>()</a:t>
             </a:r>
             <a:br/>
             <a:br/>
             <a:r>
               <a:rPr i="1">
                 <a:solidFill>
-                  <a:srgbClr val="BA2121"/>
-                </a:solidFill>
-                <a:latin typeface="Courier"/>
-              </a:rPr>
-              <a:t>## Automatically use showtext to render text for future devices</a:t>
+                  <a:srgbClr val="60A0B0"/>
+                </a:solidFill>
+                <a:latin typeface="Courier"/>
+              </a:rPr>
+              <a:t># Create sticker</a:t>
             </a:r>
             <a:br/>
             <a:r>
               <a:rPr>
+                <a:latin typeface="Courier"/>
+              </a:rPr>
+              <a:t>p </a:t>
+            </a:r>
+            <a:r>
+              <a:rPr>
+                <a:solidFill>
+                  <a:srgbClr val="007020"/>
+                </a:solidFill>
+                <a:latin typeface="Courier"/>
+              </a:rPr>
+              <a:t>&lt;-</a:t>
+            </a:r>
+            <a:r>
+              <a:rPr>
+                <a:latin typeface="Courier"/>
+              </a:rPr>
+              <a:t> </a:t>
+            </a:r>
+            <a:r>
+              <a:rPr>
                 <a:solidFill>
                   <a:srgbClr val="06287E"/>
                 </a:solidFill>
                 <a:latin typeface="Courier"/>
               </a:rPr>
-              <a:t>showtext_auto</a:t>
-            </a:r>
-            <a:r>
-              <a:rPr>
-                <a:latin typeface="Courier"/>
-              </a:rPr>
-              <a:t>()</a:t>
+              <a:t>sticker</a:t>
+            </a:r>
+            <a:r>
+              <a:rPr>
+                <a:latin typeface="Courier"/>
+              </a:rPr>
+              <a:t>(img, </a:t>
+            </a:r>
+            <a:r>
+              <a:rPr>
+                <a:solidFill>
+                  <a:srgbClr val="7D9029"/>
+                </a:solidFill>
+                <a:latin typeface="Courier"/>
+              </a:rPr>
+              <a:t>package=</a:t>
+            </a:r>
+            <a:r>
+              <a:rPr>
+                <a:solidFill>
+                  <a:srgbClr val="4070A0"/>
+                </a:solidFill>
+                <a:latin typeface="Courier"/>
+              </a:rPr>
+              <a:t>"R Appreciation Society"</a:t>
+            </a:r>
+            <a:r>
+              <a:rPr>
+                <a:latin typeface="Courier"/>
+              </a:rPr>
+              <a:t>, </a:t>
+            </a:r>
+            <a:r>
+              <a:rPr>
+                <a:solidFill>
+                  <a:srgbClr val="7D9029"/>
+                </a:solidFill>
+                <a:latin typeface="Courier"/>
+              </a:rPr>
+              <a:t>p_color =</a:t>
+            </a:r>
+            <a:r>
+              <a:rPr>
+                <a:latin typeface="Courier"/>
+              </a:rPr>
+              <a:t> </a:t>
+            </a:r>
+            <a:r>
+              <a:rPr>
+                <a:solidFill>
+                  <a:srgbClr val="4070A0"/>
+                </a:solidFill>
+                <a:latin typeface="Courier"/>
+              </a:rPr>
+              <a:t>'#63100a'</a:t>
+            </a:r>
+            <a:r>
+              <a:rPr>
+                <a:latin typeface="Courier"/>
+              </a:rPr>
+              <a:t>, </a:t>
+            </a:r>
+            <a:r>
+              <a:rPr>
+                <a:solidFill>
+                  <a:srgbClr val="7D9029"/>
+                </a:solidFill>
+                <a:latin typeface="Courier"/>
+              </a:rPr>
+              <a:t>p_family =</a:t>
+            </a:r>
+            <a:r>
+              <a:rPr>
+                <a:latin typeface="Courier"/>
+              </a:rPr>
+              <a:t> </a:t>
+            </a:r>
+            <a:r>
+              <a:rPr>
+                <a:solidFill>
+                  <a:srgbClr val="4070A0"/>
+                </a:solidFill>
+                <a:latin typeface="Courier"/>
+              </a:rPr>
+              <a:t>"Tangerine"</a:t>
+            </a:r>
+            <a:r>
+              <a:rPr>
+                <a:latin typeface="Courier"/>
+              </a:rPr>
+              <a:t>,</a:t>
+            </a:r>
+            <a:br/>
+            <a:r>
+              <a:rPr>
+                <a:latin typeface="Courier"/>
+              </a:rPr>
+              <a:t>        </a:t>
+            </a:r>
+            <a:r>
+              <a:rPr>
+                <a:solidFill>
+                  <a:srgbClr val="7D9029"/>
+                </a:solidFill>
+                <a:latin typeface="Courier"/>
+              </a:rPr>
+              <a:t>p_size=</a:t>
+            </a:r>
+            <a:r>
+              <a:rPr>
+                <a:solidFill>
+                  <a:srgbClr val="40A070"/>
+                </a:solidFill>
+                <a:latin typeface="Courier"/>
+              </a:rPr>
+              <a:t>16</a:t>
+            </a:r>
+            <a:r>
+              <a:rPr>
+                <a:latin typeface="Courier"/>
+              </a:rPr>
+              <a:t>, </a:t>
+            </a:r>
+            <a:r>
+              <a:rPr>
+                <a:solidFill>
+                  <a:srgbClr val="7D9029"/>
+                </a:solidFill>
+                <a:latin typeface="Courier"/>
+              </a:rPr>
+              <a:t>s_x=</a:t>
+            </a:r>
+            <a:r>
+              <a:rPr>
+                <a:solidFill>
+                  <a:srgbClr val="40A070"/>
+                </a:solidFill>
+                <a:latin typeface="Courier"/>
+              </a:rPr>
+              <a:t>1</a:t>
+            </a:r>
+            <a:r>
+              <a:rPr>
+                <a:latin typeface="Courier"/>
+              </a:rPr>
+              <a:t>, </a:t>
+            </a:r>
+            <a:r>
+              <a:rPr>
+                <a:solidFill>
+                  <a:srgbClr val="7D9029"/>
+                </a:solidFill>
+                <a:latin typeface="Courier"/>
+              </a:rPr>
+              <a:t>s_y=</a:t>
+            </a:r>
+            <a:r>
+              <a:rPr>
+                <a:latin typeface="Courier"/>
+              </a:rPr>
+              <a:t>.</a:t>
+            </a:r>
+            <a:r>
+              <a:rPr>
+                <a:solidFill>
+                  <a:srgbClr val="40A070"/>
+                </a:solidFill>
+                <a:latin typeface="Courier"/>
+              </a:rPr>
+              <a:t>75</a:t>
+            </a:r>
+            <a:r>
+              <a:rPr>
+                <a:latin typeface="Courier"/>
+              </a:rPr>
+              <a:t>,</a:t>
+            </a:r>
+            <a:br/>
+            <a:r>
+              <a:rPr>
+                <a:latin typeface="Courier"/>
+              </a:rPr>
+              <a:t>        </a:t>
+            </a:r>
+            <a:r>
+              <a:rPr>
+                <a:solidFill>
+                  <a:srgbClr val="7D9029"/>
+                </a:solidFill>
+                <a:latin typeface="Courier"/>
+              </a:rPr>
+              <a:t>h_fill =</a:t>
+            </a:r>
+            <a:r>
+              <a:rPr>
+                <a:latin typeface="Courier"/>
+              </a:rPr>
+              <a:t> </a:t>
+            </a:r>
+            <a:r>
+              <a:rPr>
+                <a:solidFill>
+                  <a:srgbClr val="4070A0"/>
+                </a:solidFill>
+                <a:latin typeface="Courier"/>
+              </a:rPr>
+              <a:t>'#ded3bf'</a:t>
+            </a:r>
+            <a:r>
+              <a:rPr>
+                <a:latin typeface="Courier"/>
+              </a:rPr>
+              <a:t>,</a:t>
+            </a:r>
+            <a:br/>
+            <a:r>
+              <a:rPr>
+                <a:latin typeface="Courier"/>
+              </a:rPr>
+              <a:t>        </a:t>
+            </a:r>
+            <a:r>
+              <a:rPr>
+                <a:solidFill>
+                  <a:srgbClr val="7D9029"/>
+                </a:solidFill>
+                <a:latin typeface="Courier"/>
+              </a:rPr>
+              <a:t>h_color =</a:t>
+            </a:r>
+            <a:r>
+              <a:rPr>
+                <a:latin typeface="Courier"/>
+              </a:rPr>
+              <a:t> </a:t>
+            </a:r>
+            <a:r>
+              <a:rPr>
+                <a:solidFill>
+                  <a:srgbClr val="4070A0"/>
+                </a:solidFill>
+                <a:latin typeface="Courier"/>
+              </a:rPr>
+              <a:t>'#b68e59'</a:t>
+            </a:r>
+            <a:r>
+              <a:rPr>
+                <a:latin typeface="Courier"/>
+              </a:rPr>
+              <a:t>,</a:t>
+            </a:r>
+            <a:br/>
+            <a:r>
+              <a:rPr>
+                <a:latin typeface="Courier"/>
+              </a:rPr>
+              <a:t>        </a:t>
+            </a:r>
+            <a:r>
+              <a:rPr>
+                <a:solidFill>
+                  <a:srgbClr val="7D9029"/>
+                </a:solidFill>
+                <a:latin typeface="Courier"/>
+              </a:rPr>
+              <a:t>filename=</a:t>
+            </a:r>
+            <a:r>
+              <a:rPr>
+                <a:solidFill>
+                  <a:srgbClr val="4070A0"/>
+                </a:solidFill>
+                <a:latin typeface="Courier"/>
+              </a:rPr>
+              <a:t>"rappsoc-logo.png"</a:t>
+            </a:r>
+            <a:r>
+              <a:rPr>
+                <a:latin typeface="Courier"/>
+              </a:rPr>
+              <a:t>)</a:t>
             </a:r>
             <a:br/>
             <a:br/>
             <a:r>
-              <a:rPr i="1">
-                <a:solidFill>
-                  <a:srgbClr val="60A0B0"/>
-                </a:solidFill>
-                <a:latin typeface="Courier"/>
-              </a:rPr>
-              <a:t># Create sticker</a:t>
-            </a:r>
-            <a:br/>
-            <a:r>
               <a:rPr>
                 <a:solidFill>
                   <a:srgbClr val="06287E"/>
                 </a:solidFill>
                 <a:latin typeface="Courier"/>
               </a:rPr>
-              <a:t>sticker</a:t>
-            </a:r>
-            <a:r>
-              <a:rPr>
-                <a:latin typeface="Courier"/>
-              </a:rPr>
-              <a:t>(img, </a:t>
-            </a:r>
-            <a:r>
-              <a:rPr>
-                <a:solidFill>
-                  <a:srgbClr val="7D9029"/>
-                </a:solidFill>
-                <a:latin typeface="Courier"/>
-              </a:rPr>
-              <a:t>package=</a:t>
-            </a:r>
-            <a:r>
-              <a:rPr>
-                <a:solidFill>
-                  <a:srgbClr val="4070A0"/>
-                </a:solidFill>
-                <a:latin typeface="Courier"/>
-              </a:rPr>
-              <a:t>"R Appreciation Society"</a:t>
-            </a:r>
-            <a:r>
-              <a:rPr>
-                <a:latin typeface="Courier"/>
-              </a:rPr>
-              <a:t>, </a:t>
-            </a:r>
-            <a:r>
-              <a:rPr>
-                <a:solidFill>
-                  <a:srgbClr val="7D9029"/>
-                </a:solidFill>
-                <a:latin typeface="Courier"/>
-              </a:rPr>
-              <a:t>p_color =</a:t>
-            </a:r>
-            <a:r>
-              <a:rPr>
-                <a:latin typeface="Courier"/>
-              </a:rPr>
-              <a:t> </a:t>
-            </a:r>
-            <a:r>
-              <a:rPr>
-                <a:solidFill>
-                  <a:srgbClr val="4070A0"/>
-                </a:solidFill>
-                <a:latin typeface="Courier"/>
-              </a:rPr>
-              <a:t>'#63100a'</a:t>
-            </a:r>
-            <a:r>
-              <a:rPr>
-                <a:latin typeface="Courier"/>
-              </a:rPr>
-              <a:t>, </a:t>
-            </a:r>
-            <a:r>
-              <a:rPr>
-                <a:solidFill>
-                  <a:srgbClr val="7D9029"/>
-                </a:solidFill>
-                <a:latin typeface="Courier"/>
-              </a:rPr>
-              <a:t>p_family =</a:t>
-            </a:r>
-            <a:r>
-              <a:rPr>
-                <a:latin typeface="Courier"/>
-              </a:rPr>
-              <a:t> </a:t>
-            </a:r>
-            <a:r>
-              <a:rPr>
-                <a:solidFill>
-                  <a:srgbClr val="4070A0"/>
-                </a:solidFill>
-                <a:latin typeface="Courier"/>
-              </a:rPr>
-              <a:t>"Tangerine"</a:t>
-            </a:r>
-            <a:r>
-              <a:rPr>
-                <a:latin typeface="Courier"/>
-              </a:rPr>
-              <a:t>,</a:t>
-            </a:r>
-            <a:br/>
-            <a:r>
-              <a:rPr>
-                <a:latin typeface="Courier"/>
-              </a:rPr>
-              <a:t>        </a:t>
-            </a:r>
-            <a:r>
-              <a:rPr>
-                <a:solidFill>
-                  <a:srgbClr val="7D9029"/>
-                </a:solidFill>
-                <a:latin typeface="Courier"/>
-              </a:rPr>
-              <a:t>p_size=</a:t>
-            </a:r>
-            <a:r>
-              <a:rPr>
-                <a:solidFill>
-                  <a:srgbClr val="40A070"/>
-                </a:solidFill>
-                <a:latin typeface="Courier"/>
-              </a:rPr>
-              <a:t>16</a:t>
-            </a:r>
-            <a:r>
-              <a:rPr>
-                <a:latin typeface="Courier"/>
-              </a:rPr>
-              <a:t>, </a:t>
-            </a:r>
-            <a:r>
-              <a:rPr>
-                <a:solidFill>
-                  <a:srgbClr val="7D9029"/>
-                </a:solidFill>
-                <a:latin typeface="Courier"/>
-              </a:rPr>
-              <a:t>s_x=</a:t>
-            </a:r>
-            <a:r>
-              <a:rPr>
-                <a:solidFill>
-                  <a:srgbClr val="40A070"/>
-                </a:solidFill>
-                <a:latin typeface="Courier"/>
-              </a:rPr>
-              <a:t>1</a:t>
-            </a:r>
-            <a:r>
-              <a:rPr>
-                <a:latin typeface="Courier"/>
-              </a:rPr>
-              <a:t>, </a:t>
-            </a:r>
-            <a:r>
-              <a:rPr>
-                <a:solidFill>
-                  <a:srgbClr val="7D9029"/>
-                </a:solidFill>
-                <a:latin typeface="Courier"/>
-              </a:rPr>
-              <a:t>s_y=</a:t>
-            </a:r>
-            <a:r>
-              <a:rPr>
-                <a:latin typeface="Courier"/>
-              </a:rPr>
-              <a:t>.</a:t>
-            </a:r>
-            <a:r>
-              <a:rPr>
-                <a:solidFill>
-                  <a:srgbClr val="40A070"/>
-                </a:solidFill>
-                <a:latin typeface="Courier"/>
-              </a:rPr>
-              <a:t>75</a:t>
-            </a:r>
-            <a:r>
-              <a:rPr>
-                <a:latin typeface="Courier"/>
-              </a:rPr>
-              <a:t>,</a:t>
-            </a:r>
-            <a:br/>
-            <a:r>
-              <a:rPr>
-                <a:latin typeface="Courier"/>
-              </a:rPr>
-              <a:t>        </a:t>
-            </a:r>
-            <a:r>
-              <a:rPr>
-                <a:solidFill>
-                  <a:srgbClr val="7D9029"/>
-                </a:solidFill>
-                <a:latin typeface="Courier"/>
-              </a:rPr>
-              <a:t>h_fill =</a:t>
-            </a:r>
-            <a:r>
-              <a:rPr>
-                <a:latin typeface="Courier"/>
-              </a:rPr>
-              <a:t> </a:t>
-            </a:r>
-            <a:r>
-              <a:rPr>
-                <a:solidFill>
-                  <a:srgbClr val="4070A0"/>
-                </a:solidFill>
-                <a:latin typeface="Courier"/>
-              </a:rPr>
-              <a:t>'#ded3bf'</a:t>
-            </a:r>
-            <a:r>
-              <a:rPr>
-                <a:latin typeface="Courier"/>
-              </a:rPr>
-              <a:t>,</a:t>
-            </a:r>
-            <a:br/>
-            <a:r>
-              <a:rPr>
-                <a:latin typeface="Courier"/>
-              </a:rPr>
-              <a:t>        </a:t>
-            </a:r>
-            <a:r>
-              <a:rPr>
-                <a:solidFill>
-                  <a:srgbClr val="7D9029"/>
-                </a:solidFill>
-                <a:latin typeface="Courier"/>
-              </a:rPr>
-              <a:t>h_color =</a:t>
-            </a:r>
-            <a:r>
-              <a:rPr>
-                <a:latin typeface="Courier"/>
-              </a:rPr>
-              <a:t> </a:t>
-            </a:r>
-            <a:r>
-              <a:rPr>
-                <a:solidFill>
-                  <a:srgbClr val="4070A0"/>
-                </a:solidFill>
-                <a:latin typeface="Courier"/>
-              </a:rPr>
-              <a:t>'#b68e59'</a:t>
-            </a:r>
-            <a:r>
-              <a:rPr>
-                <a:latin typeface="Courier"/>
-              </a:rPr>
-              <a:t>,</a:t>
-            </a:r>
-            <a:br/>
-            <a:r>
-              <a:rPr>
-                <a:latin typeface="Courier"/>
-              </a:rPr>
-              <a:t>        </a:t>
-            </a:r>
-            <a:r>
-              <a:rPr>
-                <a:solidFill>
-                  <a:srgbClr val="7D9029"/>
-                </a:solidFill>
-                <a:latin typeface="Courier"/>
-              </a:rPr>
-              <a:t>filename=</a:t>
-            </a:r>
-            <a:r>
-              <a:rPr>
-                <a:solidFill>
-                  <a:srgbClr val="4070A0"/>
-                </a:solidFill>
-                <a:latin typeface="Courier"/>
-              </a:rPr>
-              <a:t>"rappsoc-logo.png"</a:t>
-            </a:r>
-            <a:r>
-              <a:rPr>
-                <a:latin typeface="Courier"/>
-              </a:rPr>
-              <a:t>)</a:t>
-            </a:r>
-          </a:p>
-        </p:txBody>
-      </p:sp>
+              <a:t>plot</a:t>
+            </a:r>
+            <a:r>
+              <a:rPr>
+                <a:latin typeface="Courier"/>
+              </a:rPr>
+              <a:t>(p)</a:t>
+            </a:r>
+          </a:p>
+        </p:txBody>
+      </p:sp>
+      <p:pic>
+        <p:nvPicPr>
+          <p:cNvPr descr="hex-sticker-slides_files/figure-pptx/unnamed-chunk-3-1.png" id="0" name="Picture 1"/>
+          <p:cNvPicPr>
+            <a:picLocks noGrp="1" noChangeAspect="1"/>
+          </p:cNvPicPr>
+          <p:nvPr/>
+        </p:nvPicPr>
+        <p:blipFill>
+          <a:blip r:embed="rId2"/>
+          <a:stretch>
+            <a:fillRect/>
+          </a:stretch>
+        </p:blipFill>
+        <p:spPr bwMode="auto">
+          <a:xfrm>
+            <a:off x="3568700" y="355600"/>
+            <a:ext cx="5105400" cy="4089400"/>
+          </a:xfrm>
+          <a:prstGeom prst="rect">
+            <a:avLst/>
+          </a:prstGeom>
+          <a:noFill/>
+          <a:ln w="9525">
+            <a:noFill/>
+            <a:headEnd/>
+            <a:tailEnd/>
+          </a:ln>
+        </p:spPr>
+      </p:pic>
     </p:spTree>
   </p:cSld>
 </p:sld>

--- a/hex-sticker-slides.pptx
+++ b/hex-sticker-slides.pptx
@@ -4367,37 +4367,6 @@
               <a:rPr>
                 <a:latin typeface="Courier"/>
               </a:rPr>
-              <a:t>,</a:t>
-            </a:r>
-            <a:br/>
-            <a:r>
-              <a:rPr>
-                <a:latin typeface="Courier"/>
-              </a:rPr>
-              <a:t>             </a:t>
-            </a:r>
-            <a:r>
-              <a:rPr>
-                <a:solidFill>
-                  <a:srgbClr val="7D9029"/>
-                </a:solidFill>
-                <a:latin typeface="Courier"/>
-              </a:rPr>
-              <a:t>filename=</a:t>
-            </a:r>
-            <a:r>
-              <a:rPr>
-                <a:solidFill>
-                  <a:srgbClr val="4070A0"/>
-                </a:solidFill>
-                <a:latin typeface="Courier"/>
-              </a:rPr>
-              <a:t>"rappsoc-logo.png"</a:t>
-            </a:r>
-            <a:r>
-              <a:rPr>
-                <a:latin typeface="Courier"/>
-              </a:rPr>
               <a:t>)</a:t>
             </a:r>
             <a:br/>
@@ -4695,6 +4664,13 @@
               </a:rPr>
               <a:t>(img, </a:t>
             </a:r>
+            <a:br/>
+            <a:r>
+              <a:rPr>
+                <a:latin typeface="Courier"/>
+              </a:rPr>
+              <a:t>             </a:t>
+            </a:r>
             <a:r>
               <a:rPr>
                 <a:solidFill>
@@ -4747,6 +4723,74 @@
               <a:rPr>
                 <a:latin typeface="Courier"/>
               </a:rPr>
+              <a:t>,</a:t>
+            </a:r>
+            <a:br/>
+            <a:r>
+              <a:rPr>
+                <a:latin typeface="Courier"/>
+              </a:rPr>
+              <a:t>             </a:t>
+            </a:r>
+            <a:r>
+              <a:rPr>
+                <a:solidFill>
+                  <a:srgbClr val="7D9029"/>
+                </a:solidFill>
+                <a:latin typeface="Courier"/>
+              </a:rPr>
+              <a:t>p_family =</a:t>
+            </a:r>
+            <a:r>
+              <a:rPr>
+                <a:latin typeface="Courier"/>
+              </a:rPr>
+              <a:t> </a:t>
+            </a:r>
+            <a:r>
+              <a:rPr>
+                <a:solidFill>
+                  <a:srgbClr val="4070A0"/>
+                </a:solidFill>
+                <a:latin typeface="Courier"/>
+              </a:rPr>
+              <a:t>"Tangerine"</a:t>
+            </a:r>
+            <a:r>
+              <a:rPr>
+                <a:latin typeface="Courier"/>
+              </a:rPr>
+              <a:t>,</a:t>
+            </a:r>
+            <a:br/>
+            <a:r>
+              <a:rPr>
+                <a:latin typeface="Courier"/>
+              </a:rPr>
+              <a:t>             </a:t>
+            </a:r>
+            <a:r>
+              <a:rPr>
+                <a:solidFill>
+                  <a:srgbClr val="7D9029"/>
+                </a:solidFill>
+                <a:latin typeface="Courier"/>
+              </a:rPr>
+              <a:t>p_size=</a:t>
+            </a:r>
+            <a:r>
+              <a:rPr>
+                <a:solidFill>
+                  <a:srgbClr val="40A070"/>
+                </a:solidFill>
+                <a:latin typeface="Courier"/>
+              </a:rPr>
+              <a:t>16</a:t>
+            </a:r>
+            <a:r>
+              <a:rPr>
+                <a:latin typeface="Courier"/>
+              </a:rPr>
               <a:t>, </a:t>
             </a:r>
             <a:r>
@@ -4756,7 +4800,68 @@
                 </a:solidFill>
                 <a:latin typeface="Courier"/>
               </a:rPr>
-              <a:t>p_family =</a:t>
+              <a:t>s_x=</a:t>
+            </a:r>
+            <a:r>
+              <a:rPr>
+                <a:solidFill>
+                  <a:srgbClr val="40A070"/>
+                </a:solidFill>
+                <a:latin typeface="Courier"/>
+              </a:rPr>
+              <a:t>1</a:t>
+            </a:r>
+            <a:r>
+              <a:rPr>
+                <a:latin typeface="Courier"/>
+              </a:rPr>
+              <a:t>, </a:t>
+            </a:r>
+            <a:r>
+              <a:rPr>
+                <a:solidFill>
+                  <a:srgbClr val="7D9029"/>
+                </a:solidFill>
+                <a:latin typeface="Courier"/>
+              </a:rPr>
+              <a:t>s_y=</a:t>
+            </a:r>
+            <a:r>
+              <a:rPr>
+                <a:latin typeface="Courier"/>
+              </a:rPr>
+              <a:t>.</a:t>
+            </a:r>
+            <a:r>
+              <a:rPr>
+                <a:solidFill>
+                  <a:srgbClr val="40A070"/>
+                </a:solidFill>
+                <a:latin typeface="Courier"/>
+              </a:rPr>
+              <a:t>75</a:t>
+            </a:r>
+            <a:r>
+              <a:rPr>
+                <a:latin typeface="Courier"/>
+              </a:rPr>
+              <a:t>,</a:t>
+            </a:r>
+            <a:br/>
+            <a:r>
+              <a:rPr>
+                <a:latin typeface="Courier"/>
+              </a:rPr>
+              <a:t>             </a:t>
+            </a:r>
+            <a:r>
+              <a:rPr>
+                <a:solidFill>
+                  <a:srgbClr val="7D9029"/>
+                </a:solidFill>
+                <a:latin typeface="Courier"/>
+              </a:rPr>
+              <a:t>h_fill =</a:t>
             </a:r>
             <a:r>
               <a:rPr>
@@ -4771,7 +4876,7 @@
                 </a:solidFill>
                 <a:latin typeface="Courier"/>
               </a:rPr>
-              <a:t>"Tangerine"</a:t>
+              <a:t>'#ded3bf'</a:t>
             </a:r>
             <a:r>
               <a:rPr>
@@ -4784,7 +4889,7 @@
               <a:rPr>
                 <a:latin typeface="Courier"/>
               </a:rPr>
-              <a:t>        </a:t>
+              <a:t>             </a:t>
             </a:r>
             <a:r>
               <a:rPr>
@@ -4793,92 +4898,7 @@
                 </a:solidFill>
                 <a:latin typeface="Courier"/>
               </a:rPr>
-              <a:t>p_size=</a:t>
-            </a:r>
-            <a:r>
-              <a:rPr>
-                <a:solidFill>
-                  <a:srgbClr val="40A070"/>
-                </a:solidFill>
-                <a:latin typeface="Courier"/>
-              </a:rPr>
-              <a:t>16</a:t>
-            </a:r>
-            <a:r>
-              <a:rPr>
-                <a:latin typeface="Courier"/>
-              </a:rPr>
-              <a:t>, </a:t>
-            </a:r>
-            <a:r>
-              <a:rPr>
-                <a:solidFill>
-                  <a:srgbClr val="7D9029"/>
-                </a:solidFill>
-                <a:latin typeface="Courier"/>
-              </a:rPr>
-              <a:t>s_x=</a:t>
-            </a:r>
-            <a:r>
-              <a:rPr>
-                <a:solidFill>
-                  <a:srgbClr val="40A070"/>
-                </a:solidFill>
-                <a:latin typeface="Courier"/>
-              </a:rPr>
-              <a:t>1</a:t>
-            </a:r>
-            <a:r>
-              <a:rPr>
-                <a:latin typeface="Courier"/>
-              </a:rPr>
-              <a:t>, </a:t>
-            </a:r>
-            <a:r>
-              <a:rPr>
-                <a:solidFill>
-                  <a:srgbClr val="7D9029"/>
-                </a:solidFill>
-                <a:latin typeface="Courier"/>
-              </a:rPr>
-              <a:t>s_y=</a:t>
-            </a:r>
-            <a:r>
-              <a:rPr>
-                <a:latin typeface="Courier"/>
-              </a:rPr>
-              <a:t>.</a:t>
-            </a:r>
-            <a:r>
-              <a:rPr>
-                <a:solidFill>
-                  <a:srgbClr val="40A070"/>
-                </a:solidFill>
-                <a:latin typeface="Courier"/>
-              </a:rPr>
-              <a:t>75</a:t>
-            </a:r>
-            <a:r>
-              <a:rPr>
-                <a:latin typeface="Courier"/>
-              </a:rPr>
-              <a:t>,</a:t>
-            </a:r>
-            <a:br/>
-            <a:r>
-              <a:rPr>
-                <a:latin typeface="Courier"/>
-              </a:rPr>
-              <a:t>        </a:t>
-            </a:r>
-            <a:r>
-              <a:rPr>
-                <a:solidFill>
-                  <a:srgbClr val="7D9029"/>
-                </a:solidFill>
-                <a:latin typeface="Courier"/>
-              </a:rPr>
-              <a:t>h_fill =</a:t>
+              <a:t>h_color =</a:t>
             </a:r>
             <a:r>
               <a:rPr>
@@ -4893,75 +4913,7 @@
                 </a:solidFill>
                 <a:latin typeface="Courier"/>
               </a:rPr>
-              <a:t>'#ded3bf'</a:t>
-            </a:r>
-            <a:r>
-              <a:rPr>
-                <a:latin typeface="Courier"/>
-              </a:rPr>
-              <a:t>,</a:t>
-            </a:r>
-            <a:br/>
-            <a:r>
-              <a:rPr>
-                <a:latin typeface="Courier"/>
-              </a:rPr>
-              <a:t>        </a:t>
-            </a:r>
-            <a:r>
-              <a:rPr>
-                <a:solidFill>
-                  <a:srgbClr val="7D9029"/>
-                </a:solidFill>
-                <a:latin typeface="Courier"/>
-              </a:rPr>
-              <a:t>h_color =</a:t>
-            </a:r>
-            <a:r>
-              <a:rPr>
-                <a:latin typeface="Courier"/>
-              </a:rPr>
-              <a:t> </a:t>
-            </a:r>
-            <a:r>
-              <a:rPr>
-                <a:solidFill>
-                  <a:srgbClr val="4070A0"/>
-                </a:solidFill>
-                <a:latin typeface="Courier"/>
-              </a:rPr>
               <a:t>'#b68e59'</a:t>
-            </a:r>
-            <a:r>
-              <a:rPr>
-                <a:latin typeface="Courier"/>
-              </a:rPr>
-              <a:t>,</a:t>
-            </a:r>
-            <a:br/>
-            <a:r>
-              <a:rPr>
-                <a:latin typeface="Courier"/>
-              </a:rPr>
-              <a:t>        </a:t>
-            </a:r>
-            <a:r>
-              <a:rPr>
-                <a:solidFill>
-                  <a:srgbClr val="7D9029"/>
-                </a:solidFill>
-                <a:latin typeface="Courier"/>
-              </a:rPr>
-              <a:t>filename=</a:t>
-            </a:r>
-            <a:r>
-              <a:rPr>
-                <a:solidFill>
-                  <a:srgbClr val="4070A0"/>
-                </a:solidFill>
-                <a:latin typeface="Courier"/>
-              </a:rPr>
-              <a:t>"rappsoc-logo.png"</a:t>
             </a:r>
             <a:r>
               <a:rPr>
